--- a/images/figures.pptx
+++ b/images/figures.pptx
@@ -5,12 +5,14 @@
     <p:sldMasterId id="2147483648" r:id="rId1"/>
   </p:sldMasterIdLst>
   <p:notesMasterIdLst>
-    <p:notesMasterId r:id="rId5"/>
+    <p:notesMasterId r:id="rId7"/>
   </p:notesMasterIdLst>
   <p:sldIdLst>
     <p:sldId id="258" r:id="rId2"/>
     <p:sldId id="257" r:id="rId3"/>
     <p:sldId id="259" r:id="rId4"/>
+    <p:sldId id="261" r:id="rId5"/>
+    <p:sldId id="260" r:id="rId6"/>
   </p:sldIdLst>
   <p:sldSz cx="12192000" cy="6858000"/>
   <p:notesSz cx="6858000" cy="9144000"/>
@@ -109,6 +111,11 @@
       </a:defRPr>
     </a:lvl9pPr>
   </p:defaultTextStyle>
+  <p:extLst>
+    <p:ext uri="{EFAFB233-063F-42B5-8137-9DF3F51BA10A}">
+      <p15:sldGuideLst xmlns:p15="http://schemas.microsoft.com/office/powerpoint/2012/main"/>
+    </p:ext>
+  </p:extLst>
 </p:presentation>
 </file>
 
@@ -194,7 +201,7 @@
           <a:p>
             <a:fld id="{E9D1E806-0E2E-D743-892F-4AFCE5FBDECC}" type="datetimeFigureOut">
               <a:rPr lang="en-US" smtClean="0"/>
-              <a:t>9/15/19</a:t>
+              <a:t>9/16/19</a:t>
             </a:fld>
             <a:endParaRPr lang="en-US"/>
           </a:p>
@@ -608,7 +615,7 @@
           <a:p>
             <a:fld id="{C1A94193-F7CB-8F4F-B378-195E5A49509B}" type="datetimeFigureOut">
               <a:rPr lang="en-US" smtClean="0"/>
-              <a:t>9/15/19</a:t>
+              <a:t>9/16/19</a:t>
             </a:fld>
             <a:endParaRPr lang="en-US"/>
           </a:p>
@@ -806,7 +813,7 @@
           <a:p>
             <a:fld id="{C1A94193-F7CB-8F4F-B378-195E5A49509B}" type="datetimeFigureOut">
               <a:rPr lang="en-US" smtClean="0"/>
-              <a:t>9/15/19</a:t>
+              <a:t>9/16/19</a:t>
             </a:fld>
             <a:endParaRPr lang="en-US"/>
           </a:p>
@@ -1014,7 +1021,7 @@
           <a:p>
             <a:fld id="{C1A94193-F7CB-8F4F-B378-195E5A49509B}" type="datetimeFigureOut">
               <a:rPr lang="en-US" smtClean="0"/>
-              <a:t>9/15/19</a:t>
+              <a:t>9/16/19</a:t>
             </a:fld>
             <a:endParaRPr lang="en-US"/>
           </a:p>
@@ -1212,7 +1219,7 @@
           <a:p>
             <a:fld id="{C1A94193-F7CB-8F4F-B378-195E5A49509B}" type="datetimeFigureOut">
               <a:rPr lang="en-US" smtClean="0"/>
-              <a:t>9/15/19</a:t>
+              <a:t>9/16/19</a:t>
             </a:fld>
             <a:endParaRPr lang="en-US"/>
           </a:p>
@@ -1487,7 +1494,7 @@
           <a:p>
             <a:fld id="{C1A94193-F7CB-8F4F-B378-195E5A49509B}" type="datetimeFigureOut">
               <a:rPr lang="en-US" smtClean="0"/>
-              <a:t>9/15/19</a:t>
+              <a:t>9/16/19</a:t>
             </a:fld>
             <a:endParaRPr lang="en-US"/>
           </a:p>
@@ -1752,7 +1759,7 @@
           <a:p>
             <a:fld id="{C1A94193-F7CB-8F4F-B378-195E5A49509B}" type="datetimeFigureOut">
               <a:rPr lang="en-US" smtClean="0"/>
-              <a:t>9/15/19</a:t>
+              <a:t>9/16/19</a:t>
             </a:fld>
             <a:endParaRPr lang="en-US"/>
           </a:p>
@@ -2164,7 +2171,7 @@
           <a:p>
             <a:fld id="{C1A94193-F7CB-8F4F-B378-195E5A49509B}" type="datetimeFigureOut">
               <a:rPr lang="en-US" smtClean="0"/>
-              <a:t>9/15/19</a:t>
+              <a:t>9/16/19</a:t>
             </a:fld>
             <a:endParaRPr lang="en-US"/>
           </a:p>
@@ -2305,7 +2312,7 @@
           <a:p>
             <a:fld id="{C1A94193-F7CB-8F4F-B378-195E5A49509B}" type="datetimeFigureOut">
               <a:rPr lang="en-US" smtClean="0"/>
-              <a:t>9/15/19</a:t>
+              <a:t>9/16/19</a:t>
             </a:fld>
             <a:endParaRPr lang="en-US"/>
           </a:p>
@@ -2418,7 +2425,7 @@
           <a:p>
             <a:fld id="{C1A94193-F7CB-8F4F-B378-195E5A49509B}" type="datetimeFigureOut">
               <a:rPr lang="en-US" smtClean="0"/>
-              <a:t>9/15/19</a:t>
+              <a:t>9/16/19</a:t>
             </a:fld>
             <a:endParaRPr lang="en-US"/>
           </a:p>
@@ -2729,7 +2736,7 @@
           <a:p>
             <a:fld id="{C1A94193-F7CB-8F4F-B378-195E5A49509B}" type="datetimeFigureOut">
               <a:rPr lang="en-US" smtClean="0"/>
-              <a:t>9/15/19</a:t>
+              <a:t>9/16/19</a:t>
             </a:fld>
             <a:endParaRPr lang="en-US"/>
           </a:p>
@@ -3017,7 +3024,7 @@
           <a:p>
             <a:fld id="{C1A94193-F7CB-8F4F-B378-195E5A49509B}" type="datetimeFigureOut">
               <a:rPr lang="en-US" smtClean="0"/>
-              <a:t>9/15/19</a:t>
+              <a:t>9/16/19</a:t>
             </a:fld>
             <a:endParaRPr lang="en-US"/>
           </a:p>
@@ -3258,7 +3265,7 @@
           <a:p>
             <a:fld id="{C1A94193-F7CB-8F4F-B378-195E5A49509B}" type="datetimeFigureOut">
               <a:rPr lang="en-US" smtClean="0"/>
-              <a:t>9/15/19</a:t>
+              <a:t>9/16/19</a:t>
             </a:fld>
             <a:endParaRPr lang="en-US"/>
           </a:p>
@@ -3677,82 +3684,6 @@
       </p:grpSpPr>
       <p:sp>
         <p:nvSpPr>
-          <p:cNvPr id="57" name="TextBox 56">
-            <a:extLst>
-              <a:ext uri="{FF2B5EF4-FFF2-40B4-BE49-F238E27FC236}">
-                <a16:creationId xmlns:a16="http://schemas.microsoft.com/office/drawing/2014/main" id="{4C0EFF2E-02C9-9342-9A7F-6CDC6B2B46E1}"/>
-              </a:ext>
-            </a:extLst>
-          </p:cNvPr>
-          <p:cNvSpPr txBox="1"/>
-          <p:nvPr/>
-        </p:nvSpPr>
-        <p:spPr>
-          <a:xfrm>
-            <a:off x="291607" y="5509347"/>
-            <a:ext cx="4306995" cy="1169551"/>
-          </a:xfrm>
-          <a:prstGeom prst="rect">
-            <a:avLst/>
-          </a:prstGeom>
-          <a:noFill/>
-        </p:spPr>
-        <p:txBody>
-          <a:bodyPr wrap="square" rtlCol="0">
-            <a:spAutoFit/>
-          </a:bodyPr>
-          <a:lstStyle/>
-          <a:p>
-            <a:r>
-              <a:rPr lang="ja-JP" altLang="en-US" sz="1400"/>
-              <a:t>クライアントとリソースサーバーが同じサービス</a:t>
-            </a:r>
-            <a:endParaRPr lang="en-US" altLang="ja-JP" sz="1400" dirty="0"/>
-          </a:p>
-          <a:p>
-            <a:r>
-              <a:rPr lang="ja-JP" altLang="en-US" sz="1400"/>
-              <a:t>→</a:t>
-            </a:r>
-            <a:r>
-              <a:rPr lang="en-US" altLang="ja-JP" sz="1400" dirty="0"/>
-              <a:t> ID</a:t>
-            </a:r>
-            <a:r>
-              <a:rPr lang="ja-JP" altLang="en-US" sz="1400"/>
-              <a:t>トークンを設定してリクエスト</a:t>
-            </a:r>
-            <a:endParaRPr lang="en-US" altLang="ja-JP" sz="1400" dirty="0"/>
-          </a:p>
-          <a:p>
-            <a:endParaRPr lang="en-US" altLang="ja-JP" sz="1400" dirty="0"/>
-          </a:p>
-          <a:p>
-            <a:r>
-              <a:rPr lang="ja-JP" altLang="en-US" sz="1400"/>
-              <a:t>クライアントとリソースサーバーが異なるサービス</a:t>
-            </a:r>
-            <a:endParaRPr lang="en-US" altLang="ja-JP" sz="1400" dirty="0"/>
-          </a:p>
-          <a:p>
-            <a:r>
-              <a:rPr lang="ja-JP" altLang="en-US" sz="1400"/>
-              <a:t>→</a:t>
-            </a:r>
-            <a:r>
-              <a:rPr lang="en-US" altLang="ja-JP" sz="1400" dirty="0"/>
-              <a:t> </a:t>
-            </a:r>
-            <a:r>
-              <a:rPr lang="ja-JP" altLang="en-US" sz="1400"/>
-              <a:t>アクセストークンを設定してリクエスト</a:t>
-            </a:r>
-            <a:endParaRPr lang="en-US" altLang="ja-JP" sz="1400" dirty="0"/>
-          </a:p>
-        </p:txBody>
-      </p:sp>
-      <p:sp>
-        <p:nvSpPr>
           <p:cNvPr id="4" name="TextBox 3">
             <a:extLst>
               <a:ext uri="{FF2B5EF4-FFF2-40B4-BE49-F238E27FC236}">
@@ -4503,50 +4434,6 @@
       </p:sp>
       <p:sp>
         <p:nvSpPr>
-          <p:cNvPr id="47" name="TextBox 46">
-            <a:extLst>
-              <a:ext uri="{FF2B5EF4-FFF2-40B4-BE49-F238E27FC236}">
-                <a16:creationId xmlns:a16="http://schemas.microsoft.com/office/drawing/2014/main" id="{3B7F51B0-DB9B-8C49-8E5B-20D7622AB3EE}"/>
-              </a:ext>
-            </a:extLst>
-          </p:cNvPr>
-          <p:cNvSpPr txBox="1"/>
-          <p:nvPr/>
-        </p:nvSpPr>
-        <p:spPr>
-          <a:xfrm>
-            <a:off x="1701807" y="765967"/>
-            <a:ext cx="3779546" cy="307777"/>
-          </a:xfrm>
-          <a:prstGeom prst="rect">
-            <a:avLst/>
-          </a:prstGeom>
-          <a:noFill/>
-        </p:spPr>
-        <p:txBody>
-          <a:bodyPr wrap="square" rtlCol="0">
-            <a:spAutoFit/>
-          </a:bodyPr>
-          <a:lstStyle/>
-          <a:p>
-            <a:r>
-              <a:rPr lang="ja-JP" altLang="en-US" sz="1400"/>
-              <a:t>ユーザー</a:t>
-            </a:r>
-            <a:r>
-              <a:rPr lang="en-US" altLang="ja-JP" sz="1400" dirty="0"/>
-              <a:t>ID</a:t>
-            </a:r>
-            <a:r>
-              <a:rPr lang="ja-JP" altLang="en-US" sz="1400"/>
-              <a:t>・パスワード（など）でログイン</a:t>
-            </a:r>
-            <a:endParaRPr lang="en-US" sz="1400" dirty="0"/>
-          </a:p>
-        </p:txBody>
-      </p:sp>
-      <p:sp>
-        <p:nvSpPr>
           <p:cNvPr id="53" name="TextBox 52">
             <a:extLst>
               <a:ext uri="{FF2B5EF4-FFF2-40B4-BE49-F238E27FC236}">
@@ -4739,64 +4626,13 @@
                 <a:latin typeface="Meiryo" panose="020B0604030504040204" pitchFamily="34" charset="-128"/>
                 <a:ea typeface="Meiryo" panose="020B0604030504040204" pitchFamily="34" charset="-128"/>
               </a:rPr>
-              <a:t>認証</a:t>
+              <a:t>認証・認可</a:t>
             </a:r>
             <a:endParaRPr lang="en-US" sz="2000" dirty="0">
               <a:uFillTx/>
               <a:latin typeface="Meiryo" panose="020B0604030504040204" pitchFamily="34" charset="-128"/>
               <a:ea typeface="Meiryo" panose="020B0604030504040204" pitchFamily="34" charset="-128"/>
             </a:endParaRPr>
-          </a:p>
-        </p:txBody>
-      </p:sp>
-      <p:sp>
-        <p:nvSpPr>
-          <p:cNvPr id="48" name="TextBox 47">
-            <a:extLst>
-              <a:ext uri="{FF2B5EF4-FFF2-40B4-BE49-F238E27FC236}">
-                <a16:creationId xmlns:a16="http://schemas.microsoft.com/office/drawing/2014/main" id="{C7B89FA0-4667-1C4C-B042-E0D354516585}"/>
-              </a:ext>
-            </a:extLst>
-          </p:cNvPr>
-          <p:cNvSpPr txBox="1"/>
-          <p:nvPr/>
-        </p:nvSpPr>
-        <p:spPr>
-          <a:xfrm>
-            <a:off x="3149057" y="2822901"/>
-            <a:ext cx="4668167" cy="523220"/>
-          </a:xfrm>
-          <a:prstGeom prst="rect">
-            <a:avLst/>
-          </a:prstGeom>
-          <a:noFill/>
-        </p:spPr>
-        <p:txBody>
-          <a:bodyPr wrap="square" rtlCol="0">
-            <a:spAutoFit/>
-          </a:bodyPr>
-          <a:lstStyle/>
-          <a:p>
-            <a:r>
-              <a:rPr lang="en-US" altLang="ja-JP" sz="1400" dirty="0"/>
-              <a:t>OpenID Connect</a:t>
-            </a:r>
-            <a:r>
-              <a:rPr lang="ja-JP" altLang="en-US" sz="1400"/>
-              <a:t>で定義されている</a:t>
-            </a:r>
-            <a:endParaRPr lang="en-US" altLang="ja-JP" sz="1400" dirty="0"/>
-          </a:p>
-          <a:p>
-            <a:r>
-              <a:rPr lang="en-US" sz="1400" dirty="0"/>
-              <a:t>ID</a:t>
-            </a:r>
-            <a:r>
-              <a:rPr lang="ja-JP" altLang="en-US" sz="1400"/>
-              <a:t>トークン、アクセストークン、更新トークンを取得</a:t>
-            </a:r>
-            <a:endParaRPr lang="en-US" sz="1400" dirty="0"/>
           </a:p>
         </p:txBody>
       </p:sp>
@@ -7316,6 +7152,1250 @@
     <p:extLst>
       <p:ext uri="{BB962C8B-B14F-4D97-AF65-F5344CB8AC3E}">
         <p14:creationId xmlns:p14="http://schemas.microsoft.com/office/powerpoint/2010/main" val="1429866248"/>
+      </p:ext>
+    </p:extLst>
+  </p:cSld>
+  <p:clrMapOvr>
+    <a:masterClrMapping/>
+  </p:clrMapOvr>
+</p:sld>
+</file>
+
+<file path=ppt/slides/slide4.xml><?xml version="1.0" encoding="utf-8"?>
+<p:sld xmlns:a="http://schemas.openxmlformats.org/drawingml/2006/main" xmlns:r="http://schemas.openxmlformats.org/officeDocument/2006/relationships" xmlns:p="http://schemas.openxmlformats.org/presentationml/2006/main">
+  <p:cSld>
+    <p:spTree>
+      <p:nvGrpSpPr>
+        <p:cNvPr id="1" name=""/>
+        <p:cNvGrpSpPr/>
+        <p:nvPr/>
+      </p:nvGrpSpPr>
+      <p:grpSpPr>
+        <a:xfrm>
+          <a:off x="0" y="0"/>
+          <a:ext cx="0" cy="0"/>
+          <a:chOff x="0" y="0"/>
+          <a:chExt cx="0" cy="0"/>
+        </a:xfrm>
+      </p:grpSpPr>
+      <p:sp>
+        <p:nvSpPr>
+          <p:cNvPr id="3" name="Content Placeholder 2">
+            <a:extLst>
+              <a:ext uri="{FF2B5EF4-FFF2-40B4-BE49-F238E27FC236}">
+                <a16:creationId xmlns:a16="http://schemas.microsoft.com/office/drawing/2014/main" id="{44206143-3FAD-B54D-85DA-9AB1F2E4E7D5}"/>
+              </a:ext>
+            </a:extLst>
+          </p:cNvPr>
+          <p:cNvSpPr>
+            <a:spLocks noGrp="1"/>
+          </p:cNvSpPr>
+          <p:nvPr>
+            <p:ph idx="1"/>
+          </p:nvPr>
+        </p:nvSpPr>
+        <p:spPr>
+          <a:xfrm>
+            <a:off x="-2" y="3929449"/>
+            <a:ext cx="12192002" cy="2928549"/>
+          </a:xfrm>
+        </p:spPr>
+        <p:txBody>
+          <a:bodyPr>
+            <a:normAutofit lnSpcReduction="10000"/>
+          </a:bodyPr>
+          <a:lstStyle/>
+          <a:p>
+            <a:pPr marL="0" indent="0">
+              <a:lnSpc>
+                <a:spcPct val="150000"/>
+              </a:lnSpc>
+              <a:buNone/>
+            </a:pPr>
+            <a:r>
+              <a:rPr lang="ja-JP" altLang="en-US" b="1">
+                <a:latin typeface="Meiryo UI" panose="020B0604030504040204" pitchFamily="34" charset="-128"/>
+                <a:ea typeface="Meiryo UI" panose="020B0604030504040204" pitchFamily="34" charset="-128"/>
+              </a:rPr>
+              <a:t>パターン</a:t>
+            </a:r>
+            <a:r>
+              <a:rPr lang="en-US" altLang="ja-JP" b="1" dirty="0">
+                <a:latin typeface="Meiryo UI" panose="020B0604030504040204" pitchFamily="34" charset="-128"/>
+                <a:ea typeface="Meiryo UI" panose="020B0604030504040204" pitchFamily="34" charset="-128"/>
+              </a:rPr>
+              <a:t>1: UserPool </a:t>
+            </a:r>
+            <a:r>
+              <a:rPr lang="ja-JP" altLang="en-US" b="1">
+                <a:latin typeface="Meiryo UI" panose="020B0604030504040204" pitchFamily="34" charset="-128"/>
+                <a:ea typeface="Meiryo UI" panose="020B0604030504040204" pitchFamily="34" charset="-128"/>
+              </a:rPr>
+              <a:t>と</a:t>
+            </a:r>
+            <a:r>
+              <a:rPr lang="en-US" altLang="ja-JP" b="1" dirty="0">
+                <a:latin typeface="Meiryo UI" panose="020B0604030504040204" pitchFamily="34" charset="-128"/>
+                <a:ea typeface="Meiryo UI" panose="020B0604030504040204" pitchFamily="34" charset="-128"/>
+              </a:rPr>
+              <a:t> Federated Identity</a:t>
+            </a:r>
+            <a:r>
+              <a:rPr lang="ja-JP" altLang="en-US" b="1">
+                <a:latin typeface="Meiryo UI" panose="020B0604030504040204" pitchFamily="34" charset="-128"/>
+                <a:ea typeface="Meiryo UI" panose="020B0604030504040204" pitchFamily="34" charset="-128"/>
+              </a:rPr>
+              <a:t>のどちらも利用する</a:t>
+            </a:r>
+            <a:endParaRPr lang="en-US" altLang="ja-JP" b="1" dirty="0">
+              <a:latin typeface="Meiryo UI" panose="020B0604030504040204" pitchFamily="34" charset="-128"/>
+              <a:ea typeface="Meiryo UI" panose="020B0604030504040204" pitchFamily="34" charset="-128"/>
+            </a:endParaRPr>
+          </a:p>
+          <a:p>
+            <a:pPr marL="0" indent="0">
+              <a:lnSpc>
+                <a:spcPct val="150000"/>
+              </a:lnSpc>
+              <a:buNone/>
+            </a:pPr>
+            <a:r>
+              <a:rPr lang="ja-JP" altLang="en-US" b="1">
+                <a:latin typeface="Meiryo UI" panose="020B0604030504040204" pitchFamily="34" charset="-128"/>
+                <a:ea typeface="Meiryo UI" panose="020B0604030504040204" pitchFamily="34" charset="-128"/>
+              </a:rPr>
+              <a:t>パターン</a:t>
+            </a:r>
+            <a:r>
+              <a:rPr lang="en-US" altLang="ja-JP" b="1" dirty="0">
+                <a:latin typeface="Meiryo UI" panose="020B0604030504040204" pitchFamily="34" charset="-128"/>
+                <a:ea typeface="Meiryo UI" panose="020B0604030504040204" pitchFamily="34" charset="-128"/>
+              </a:rPr>
+              <a:t>2: UserPool </a:t>
+            </a:r>
+            <a:r>
+              <a:rPr lang="ja-JP" altLang="en-US" b="1">
+                <a:latin typeface="Meiryo UI" panose="020B0604030504040204" pitchFamily="34" charset="-128"/>
+                <a:ea typeface="Meiryo UI" panose="020B0604030504040204" pitchFamily="34" charset="-128"/>
+              </a:rPr>
+              <a:t>のみ利用する</a:t>
+            </a:r>
+            <a:endParaRPr lang="en-US" altLang="ja-JP" b="1" dirty="0">
+              <a:latin typeface="Meiryo UI" panose="020B0604030504040204" pitchFamily="34" charset="-128"/>
+              <a:ea typeface="Meiryo UI" panose="020B0604030504040204" pitchFamily="34" charset="-128"/>
+            </a:endParaRPr>
+          </a:p>
+          <a:p>
+            <a:pPr marL="0" indent="0">
+              <a:lnSpc>
+                <a:spcPct val="150000"/>
+              </a:lnSpc>
+              <a:buNone/>
+            </a:pPr>
+            <a:r>
+              <a:rPr lang="ja-JP" altLang="en-US" b="1">
+                <a:latin typeface="Meiryo UI" panose="020B0604030504040204" pitchFamily="34" charset="-128"/>
+                <a:ea typeface="Meiryo UI" panose="020B0604030504040204" pitchFamily="34" charset="-128"/>
+              </a:rPr>
+              <a:t>パターン</a:t>
+            </a:r>
+            <a:r>
+              <a:rPr lang="en-US" altLang="ja-JP" b="1" dirty="0">
+                <a:latin typeface="Meiryo UI" panose="020B0604030504040204" pitchFamily="34" charset="-128"/>
+                <a:ea typeface="Meiryo UI" panose="020B0604030504040204" pitchFamily="34" charset="-128"/>
+              </a:rPr>
+              <a:t>3: Federated Identity </a:t>
+            </a:r>
+            <a:r>
+              <a:rPr lang="ja-JP" altLang="en-US" b="1">
+                <a:latin typeface="Meiryo UI" panose="020B0604030504040204" pitchFamily="34" charset="-128"/>
+                <a:ea typeface="Meiryo UI" panose="020B0604030504040204" pitchFamily="34" charset="-128"/>
+              </a:rPr>
+              <a:t>のみ利用する</a:t>
+            </a:r>
+            <a:endParaRPr lang="en-US" altLang="ja-JP" b="1" dirty="0">
+              <a:latin typeface="Meiryo UI" panose="020B0604030504040204" pitchFamily="34" charset="-128"/>
+              <a:ea typeface="Meiryo UI" panose="020B0604030504040204" pitchFamily="34" charset="-128"/>
+            </a:endParaRPr>
+          </a:p>
+          <a:p>
+            <a:pPr marL="0" indent="0">
+              <a:lnSpc>
+                <a:spcPct val="150000"/>
+              </a:lnSpc>
+              <a:buNone/>
+            </a:pPr>
+            <a:r>
+              <a:rPr lang="ja-JP" altLang="en-US" b="1">
+                <a:latin typeface="Meiryo UI" panose="020B0604030504040204" pitchFamily="34" charset="-128"/>
+                <a:ea typeface="Meiryo UI" panose="020B0604030504040204" pitchFamily="34" charset="-128"/>
+              </a:rPr>
+              <a:t>パターン</a:t>
+            </a:r>
+            <a:r>
+              <a:rPr lang="en-US" altLang="ja-JP" b="1" dirty="0">
+                <a:latin typeface="Meiryo UI" panose="020B0604030504040204" pitchFamily="34" charset="-128"/>
+                <a:ea typeface="Meiryo UI" panose="020B0604030504040204" pitchFamily="34" charset="-128"/>
+              </a:rPr>
+              <a:t>4: </a:t>
+            </a:r>
+            <a:r>
+              <a:rPr lang="ja-JP" altLang="en-US" b="1">
+                <a:latin typeface="Meiryo UI" panose="020B0604030504040204" pitchFamily="34" charset="-128"/>
+                <a:ea typeface="Meiryo UI" panose="020B0604030504040204" pitchFamily="34" charset="-128"/>
+              </a:rPr>
+              <a:t>本当に</a:t>
+            </a:r>
+            <a:r>
+              <a:rPr lang="en-US" altLang="ja-JP" b="1" dirty="0">
+                <a:latin typeface="Meiryo UI" panose="020B0604030504040204" pitchFamily="34" charset="-128"/>
+                <a:ea typeface="Meiryo UI" panose="020B0604030504040204" pitchFamily="34" charset="-128"/>
+              </a:rPr>
+              <a:t> Cognito </a:t>
+            </a:r>
+            <a:r>
+              <a:rPr lang="ja-JP" altLang="en-US" b="1">
+                <a:latin typeface="Meiryo UI" panose="020B0604030504040204" pitchFamily="34" charset="-128"/>
+                <a:ea typeface="Meiryo UI" panose="020B0604030504040204" pitchFamily="34" charset="-128"/>
+              </a:rPr>
+              <a:t>を利用すべき？</a:t>
+            </a:r>
+            <a:endParaRPr lang="en-US" b="1" dirty="0">
+              <a:latin typeface="Meiryo UI" panose="020B0604030504040204" pitchFamily="34" charset="-128"/>
+              <a:ea typeface="Meiryo UI" panose="020B0604030504040204" pitchFamily="34" charset="-128"/>
+            </a:endParaRPr>
+          </a:p>
+        </p:txBody>
+      </p:sp>
+      <p:graphicFrame>
+        <p:nvGraphicFramePr>
+          <p:cNvPr id="5" name="Table 4">
+            <a:extLst>
+              <a:ext uri="{FF2B5EF4-FFF2-40B4-BE49-F238E27FC236}">
+                <a16:creationId xmlns:a16="http://schemas.microsoft.com/office/drawing/2014/main" id="{63228E67-5326-6444-B8DA-51D9FD58E890}"/>
+              </a:ext>
+            </a:extLst>
+          </p:cNvPr>
+          <p:cNvGraphicFramePr>
+            <a:graphicFrameLocks noGrp="1"/>
+          </p:cNvGraphicFramePr>
+          <p:nvPr>
+            <p:extLst>
+              <p:ext uri="{D42A27DB-BD31-4B8C-83A1-F6EECF244321}">
+                <p14:modId xmlns:p14="http://schemas.microsoft.com/office/powerpoint/2010/main" val="670134696"/>
+              </p:ext>
+            </p:extLst>
+          </p:nvPr>
+        </p:nvGraphicFramePr>
+        <p:xfrm>
+          <a:off x="0" y="1"/>
+          <a:ext cx="12192002" cy="3551505"/>
+        </p:xfrm>
+        <a:graphic>
+          <a:graphicData uri="http://schemas.openxmlformats.org/drawingml/2006/table">
+            <a:tbl>
+              <a:tblPr firstRow="1" bandRow="1">
+                <a:tableStyleId>{5C22544A-7EE6-4342-B048-85BDC9FD1C3A}</a:tableStyleId>
+              </a:tblPr>
+              <a:tblGrid>
+                <a:gridCol w="4040659">
+                  <a:extLst>
+                    <a:ext uri="{9D8B030D-6E8A-4147-A177-3AD203B41FA5}">
+                      <a16:colId xmlns:a16="http://schemas.microsoft.com/office/drawing/2014/main" val="529451454"/>
+                    </a:ext>
+                  </a:extLst>
+                </a:gridCol>
+                <a:gridCol w="2026509">
+                  <a:extLst>
+                    <a:ext uri="{9D8B030D-6E8A-4147-A177-3AD203B41FA5}">
+                      <a16:colId xmlns:a16="http://schemas.microsoft.com/office/drawing/2014/main" val="1269413051"/>
+                    </a:ext>
+                  </a:extLst>
+                </a:gridCol>
+                <a:gridCol w="2026508">
+                  <a:extLst>
+                    <a:ext uri="{9D8B030D-6E8A-4147-A177-3AD203B41FA5}">
+                      <a16:colId xmlns:a16="http://schemas.microsoft.com/office/drawing/2014/main" val="1259843160"/>
+                    </a:ext>
+                  </a:extLst>
+                </a:gridCol>
+                <a:gridCol w="1977081">
+                  <a:extLst>
+                    <a:ext uri="{9D8B030D-6E8A-4147-A177-3AD203B41FA5}">
+                      <a16:colId xmlns:a16="http://schemas.microsoft.com/office/drawing/2014/main" val="1156481385"/>
+                    </a:ext>
+                  </a:extLst>
+                </a:gridCol>
+                <a:gridCol w="2121245">
+                  <a:extLst>
+                    <a:ext uri="{9D8B030D-6E8A-4147-A177-3AD203B41FA5}">
+                      <a16:colId xmlns:a16="http://schemas.microsoft.com/office/drawing/2014/main" val="1412402849"/>
+                    </a:ext>
+                  </a:extLst>
+                </a:gridCol>
+              </a:tblGrid>
+              <a:tr h="565050">
+                <a:tc>
+                  <a:txBody>
+                    <a:bodyPr/>
+                    <a:lstStyle/>
+                    <a:p>
+                      <a:pPr marL="0" indent="0" algn="ctr">
+                        <a:buFont typeface="Arial" panose="020B0604020202020204" pitchFamily="34" charset="0"/>
+                        <a:buNone/>
+                      </a:pPr>
+                      <a:endParaRPr lang="en-US" sz="2400" b="1" i="0" dirty="0">
+                        <a:latin typeface="Meiryo UI" panose="020B0604030504040204" pitchFamily="34" charset="-128"/>
+                        <a:ea typeface="Meiryo UI" panose="020B0604030504040204" pitchFamily="34" charset="-128"/>
+                      </a:endParaRPr>
+                    </a:p>
+                  </a:txBody>
+                  <a:tcPr anchor="ctr">
+                    <a:solidFill>
+                      <a:srgbClr val="754169"/>
+                    </a:solidFill>
+                  </a:tcPr>
+                </a:tc>
+                <a:tc>
+                  <a:txBody>
+                    <a:bodyPr/>
+                    <a:lstStyle/>
+                    <a:p>
+                      <a:pPr marL="0" indent="0" algn="ctr">
+                        <a:buFont typeface="Arial" panose="020B0604020202020204" pitchFamily="34" charset="0"/>
+                        <a:buNone/>
+                      </a:pPr>
+                      <a:r>
+                        <a:rPr lang="ja-JP" altLang="en-US" sz="2400" b="1" i="0">
+                          <a:latin typeface="Meiryo UI" panose="020B0604030504040204" pitchFamily="34" charset="-128"/>
+                          <a:ea typeface="Meiryo UI" panose="020B0604030504040204" pitchFamily="34" charset="-128"/>
+                        </a:rPr>
+                        <a:t>パターン</a:t>
+                      </a:r>
+                      <a:r>
+                        <a:rPr lang="en-US" altLang="ja-JP" sz="2400" b="1" i="0" dirty="0">
+                          <a:latin typeface="Meiryo UI" panose="020B0604030504040204" pitchFamily="34" charset="-128"/>
+                          <a:ea typeface="Meiryo UI" panose="020B0604030504040204" pitchFamily="34" charset="-128"/>
+                        </a:rPr>
+                        <a:t>1</a:t>
+                      </a:r>
+                      <a:endParaRPr lang="en-US" sz="2400" b="1" i="0" dirty="0">
+                        <a:latin typeface="Meiryo UI" panose="020B0604030504040204" pitchFamily="34" charset="-128"/>
+                        <a:ea typeface="Meiryo UI" panose="020B0604030504040204" pitchFamily="34" charset="-128"/>
+                      </a:endParaRPr>
+                    </a:p>
+                  </a:txBody>
+                  <a:tcPr anchor="ctr">
+                    <a:solidFill>
+                      <a:srgbClr val="754169"/>
+                    </a:solidFill>
+                  </a:tcPr>
+                </a:tc>
+                <a:tc>
+                  <a:txBody>
+                    <a:bodyPr/>
+                    <a:lstStyle/>
+                    <a:p>
+                      <a:pPr marL="0" indent="0" algn="ctr">
+                        <a:buFont typeface="Arial" panose="020B0604020202020204" pitchFamily="34" charset="0"/>
+                        <a:buNone/>
+                      </a:pPr>
+                      <a:r>
+                        <a:rPr lang="ja-JP" altLang="en-US" sz="2400" b="1" i="0">
+                          <a:latin typeface="Meiryo UI" panose="020B0604030504040204" pitchFamily="34" charset="-128"/>
+                          <a:ea typeface="Meiryo UI" panose="020B0604030504040204" pitchFamily="34" charset="-128"/>
+                        </a:rPr>
+                        <a:t>パターン</a:t>
+                      </a:r>
+                      <a:r>
+                        <a:rPr lang="en-US" altLang="ja-JP" sz="2400" b="1" i="0" dirty="0">
+                          <a:latin typeface="Meiryo UI" panose="020B0604030504040204" pitchFamily="34" charset="-128"/>
+                          <a:ea typeface="Meiryo UI" panose="020B0604030504040204" pitchFamily="34" charset="-128"/>
+                        </a:rPr>
+                        <a:t>2</a:t>
+                      </a:r>
+                      <a:endParaRPr lang="en-US" sz="2400" b="1" i="0" dirty="0">
+                        <a:latin typeface="Meiryo UI" panose="020B0604030504040204" pitchFamily="34" charset="-128"/>
+                        <a:ea typeface="Meiryo UI" panose="020B0604030504040204" pitchFamily="34" charset="-128"/>
+                      </a:endParaRPr>
+                    </a:p>
+                  </a:txBody>
+                  <a:tcPr anchor="ctr">
+                    <a:solidFill>
+                      <a:srgbClr val="754169"/>
+                    </a:solidFill>
+                  </a:tcPr>
+                </a:tc>
+                <a:tc>
+                  <a:txBody>
+                    <a:bodyPr/>
+                    <a:lstStyle/>
+                    <a:p>
+                      <a:pPr marL="0" indent="0" algn="ctr">
+                        <a:buFont typeface="Arial" panose="020B0604020202020204" pitchFamily="34" charset="0"/>
+                        <a:buNone/>
+                      </a:pPr>
+                      <a:r>
+                        <a:rPr lang="ja-JP" altLang="en-US" sz="2400" b="1" i="0">
+                          <a:latin typeface="Meiryo UI" panose="020B0604030504040204" pitchFamily="34" charset="-128"/>
+                          <a:ea typeface="Meiryo UI" panose="020B0604030504040204" pitchFamily="34" charset="-128"/>
+                        </a:rPr>
+                        <a:t>パターン</a:t>
+                      </a:r>
+                      <a:r>
+                        <a:rPr lang="en-US" altLang="ja-JP" sz="2400" b="1" i="0" dirty="0">
+                          <a:latin typeface="Meiryo UI" panose="020B0604030504040204" pitchFamily="34" charset="-128"/>
+                          <a:ea typeface="Meiryo UI" panose="020B0604030504040204" pitchFamily="34" charset="-128"/>
+                        </a:rPr>
+                        <a:t>3</a:t>
+                      </a:r>
+                      <a:endParaRPr lang="en-US" sz="2400" b="1" i="0" dirty="0">
+                        <a:latin typeface="Meiryo UI" panose="020B0604030504040204" pitchFamily="34" charset="-128"/>
+                        <a:ea typeface="Meiryo UI" panose="020B0604030504040204" pitchFamily="34" charset="-128"/>
+                      </a:endParaRPr>
+                    </a:p>
+                  </a:txBody>
+                  <a:tcPr anchor="ctr">
+                    <a:solidFill>
+                      <a:srgbClr val="754169"/>
+                    </a:solidFill>
+                  </a:tcPr>
+                </a:tc>
+                <a:tc>
+                  <a:txBody>
+                    <a:bodyPr/>
+                    <a:lstStyle/>
+                    <a:p>
+                      <a:pPr marL="0" indent="0" algn="ctr">
+                        <a:buFont typeface="Arial" panose="020B0604020202020204" pitchFamily="34" charset="0"/>
+                        <a:buNone/>
+                      </a:pPr>
+                      <a:r>
+                        <a:rPr lang="ja-JP" altLang="en-US" sz="2400" b="1" i="0">
+                          <a:latin typeface="Meiryo UI" panose="020B0604030504040204" pitchFamily="34" charset="-128"/>
+                          <a:ea typeface="Meiryo UI" panose="020B0604030504040204" pitchFamily="34" charset="-128"/>
+                        </a:rPr>
+                        <a:t>パターン</a:t>
+                      </a:r>
+                      <a:r>
+                        <a:rPr lang="en-US" altLang="ja-JP" sz="2400" b="1" i="0" dirty="0">
+                          <a:latin typeface="Meiryo UI" panose="020B0604030504040204" pitchFamily="34" charset="-128"/>
+                          <a:ea typeface="Meiryo UI" panose="020B0604030504040204" pitchFamily="34" charset="-128"/>
+                        </a:rPr>
+                        <a:t>4</a:t>
+                      </a:r>
+                      <a:endParaRPr lang="en-US" sz="2400" b="1" i="0" dirty="0">
+                        <a:latin typeface="Meiryo UI" panose="020B0604030504040204" pitchFamily="34" charset="-128"/>
+                        <a:ea typeface="Meiryo UI" panose="020B0604030504040204" pitchFamily="34" charset="-128"/>
+                      </a:endParaRPr>
+                    </a:p>
+                  </a:txBody>
+                  <a:tcPr anchor="ctr">
+                    <a:solidFill>
+                      <a:srgbClr val="754169"/>
+                    </a:solidFill>
+                  </a:tcPr>
+                </a:tc>
+                <a:extLst>
+                  <a:ext uri="{0D108BD9-81ED-4DB2-BD59-A6C34878D82A}">
+                    <a16:rowId xmlns:a16="http://schemas.microsoft.com/office/drawing/2014/main" val="2110701594"/>
+                  </a:ext>
+                </a:extLst>
+              </a:tr>
+              <a:tr h="1431975">
+                <a:tc>
+                  <a:txBody>
+                    <a:bodyPr/>
+                    <a:lstStyle/>
+                    <a:p>
+                      <a:pPr marL="0" indent="0" algn="ctr">
+                        <a:buFont typeface="Arial" panose="020B0604020202020204" pitchFamily="34" charset="0"/>
+                        <a:buNone/>
+                      </a:pPr>
+                      <a:r>
+                        <a:rPr lang="ja-JP" altLang="en-US" sz="2400" b="1" i="0">
+                          <a:latin typeface="Meiryo UI" panose="020B0604030504040204" pitchFamily="34" charset="-128"/>
+                          <a:ea typeface="Meiryo UI" panose="020B0604030504040204" pitchFamily="34" charset="-128"/>
+                        </a:rPr>
+                        <a:t>ログイン機能を</a:t>
+                      </a:r>
+                      <a:endParaRPr lang="en-US" altLang="ja-JP" sz="2400" b="1" i="0" dirty="0">
+                        <a:latin typeface="Meiryo UI" panose="020B0604030504040204" pitchFamily="34" charset="-128"/>
+                        <a:ea typeface="Meiryo UI" panose="020B0604030504040204" pitchFamily="34" charset="-128"/>
+                      </a:endParaRPr>
+                    </a:p>
+                    <a:p>
+                      <a:pPr marL="0" indent="0" algn="ctr">
+                        <a:buFont typeface="Arial" panose="020B0604020202020204" pitchFamily="34" charset="0"/>
+                        <a:buNone/>
+                      </a:pPr>
+                      <a:r>
+                        <a:rPr lang="ja-JP" altLang="en-US" sz="2400" b="1" i="0">
+                          <a:latin typeface="Meiryo UI" panose="020B0604030504040204" pitchFamily="34" charset="-128"/>
+                          <a:ea typeface="Meiryo UI" panose="020B0604030504040204" pitchFamily="34" charset="-128"/>
+                        </a:rPr>
+                        <a:t>作成・移行する？</a:t>
+                      </a:r>
+                      <a:endParaRPr lang="en-US" sz="2400" b="1" i="0" dirty="0">
+                        <a:latin typeface="Meiryo UI" panose="020B0604030504040204" pitchFamily="34" charset="-128"/>
+                        <a:ea typeface="Meiryo UI" panose="020B0604030504040204" pitchFamily="34" charset="-128"/>
+                      </a:endParaRPr>
+                    </a:p>
+                  </a:txBody>
+                  <a:tcPr anchor="ctr"/>
+                </a:tc>
+                <a:tc>
+                  <a:txBody>
+                    <a:bodyPr/>
+                    <a:lstStyle/>
+                    <a:p>
+                      <a:pPr marL="0" marR="0" lvl="0" indent="0" algn="ctr" defTabSz="914400" rtl="0" eaLnBrk="1" fontAlgn="auto" latinLnBrk="0" hangingPunct="1">
+                        <a:lnSpc>
+                          <a:spcPct val="100000"/>
+                        </a:lnSpc>
+                        <a:spcBef>
+                          <a:spcPts val="0"/>
+                        </a:spcBef>
+                        <a:spcAft>
+                          <a:spcPts val="0"/>
+                        </a:spcAft>
+                        <a:buClrTx/>
+                        <a:buSzTx/>
+                        <a:buFont typeface="Arial" panose="020B0604020202020204" pitchFamily="34" charset="0"/>
+                        <a:buNone/>
+                        <a:tabLst/>
+                        <a:defRPr/>
+                      </a:pPr>
+                      <a:r>
+                        <a:rPr lang="ja-JP" altLang="en-US" sz="2400" b="1" i="0">
+                          <a:latin typeface="Meiryo UI" panose="020B0604030504040204" pitchFamily="34" charset="-128"/>
+                          <a:ea typeface="Meiryo UI" panose="020B0604030504040204" pitchFamily="34" charset="-128"/>
+                        </a:rPr>
+                        <a:t>○</a:t>
+                      </a:r>
+                      <a:endParaRPr lang="en-US" altLang="ja-JP" sz="2400" b="1" i="0" dirty="0">
+                        <a:latin typeface="Meiryo UI" panose="020B0604030504040204" pitchFamily="34" charset="-128"/>
+                        <a:ea typeface="Meiryo UI" panose="020B0604030504040204" pitchFamily="34" charset="-128"/>
+                      </a:endParaRPr>
+                    </a:p>
+                  </a:txBody>
+                  <a:tcPr anchor="ctr"/>
+                </a:tc>
+                <a:tc>
+                  <a:txBody>
+                    <a:bodyPr/>
+                    <a:lstStyle/>
+                    <a:p>
+                      <a:pPr marL="0" indent="0" algn="ctr">
+                        <a:buFont typeface="Arial" panose="020B0604020202020204" pitchFamily="34" charset="0"/>
+                        <a:buNone/>
+                      </a:pPr>
+                      <a:r>
+                        <a:rPr lang="ja-JP" altLang="en-US" sz="2400" b="1" i="0">
+                          <a:latin typeface="Meiryo UI" panose="020B0604030504040204" pitchFamily="34" charset="-128"/>
+                          <a:ea typeface="Meiryo UI" panose="020B0604030504040204" pitchFamily="34" charset="-128"/>
+                        </a:rPr>
+                        <a:t>○</a:t>
+                      </a:r>
+                      <a:endParaRPr lang="en-US" sz="2400" b="1" i="0" dirty="0">
+                        <a:latin typeface="Meiryo UI" panose="020B0604030504040204" pitchFamily="34" charset="-128"/>
+                        <a:ea typeface="Meiryo UI" panose="020B0604030504040204" pitchFamily="34" charset="-128"/>
+                      </a:endParaRPr>
+                    </a:p>
+                  </a:txBody>
+                  <a:tcPr anchor="ctr"/>
+                </a:tc>
+                <a:tc>
+                  <a:txBody>
+                    <a:bodyPr/>
+                    <a:lstStyle/>
+                    <a:p>
+                      <a:pPr marL="0" indent="0" algn="ctr">
+                        <a:buFont typeface="Arial" panose="020B0604020202020204" pitchFamily="34" charset="0"/>
+                        <a:buNone/>
+                      </a:pPr>
+                      <a:r>
+                        <a:rPr lang="ja-JP" altLang="en-US" sz="2400" b="1" i="0">
+                          <a:latin typeface="Meiryo UI" panose="020B0604030504040204" pitchFamily="34" charset="-128"/>
+                          <a:ea typeface="Meiryo UI" panose="020B0604030504040204" pitchFamily="34" charset="-128"/>
+                        </a:rPr>
+                        <a:t>✗</a:t>
+                      </a:r>
+                      <a:endParaRPr lang="en-US" sz="2400" b="1" i="0" dirty="0">
+                        <a:latin typeface="Meiryo UI" panose="020B0604030504040204" pitchFamily="34" charset="-128"/>
+                        <a:ea typeface="Meiryo UI" panose="020B0604030504040204" pitchFamily="34" charset="-128"/>
+                      </a:endParaRPr>
+                    </a:p>
+                  </a:txBody>
+                  <a:tcPr anchor="ctr"/>
+                </a:tc>
+                <a:tc>
+                  <a:txBody>
+                    <a:bodyPr/>
+                    <a:lstStyle/>
+                    <a:p>
+                      <a:pPr marL="0" marR="0" lvl="0" indent="0" algn="ctr" defTabSz="914400" rtl="0" eaLnBrk="1" fontAlgn="auto" latinLnBrk="0" hangingPunct="1">
+                        <a:lnSpc>
+                          <a:spcPct val="100000"/>
+                        </a:lnSpc>
+                        <a:spcBef>
+                          <a:spcPts val="0"/>
+                        </a:spcBef>
+                        <a:spcAft>
+                          <a:spcPts val="0"/>
+                        </a:spcAft>
+                        <a:buClrTx/>
+                        <a:buSzTx/>
+                        <a:buFont typeface="Arial" panose="020B0604020202020204" pitchFamily="34" charset="0"/>
+                        <a:buNone/>
+                        <a:tabLst/>
+                        <a:defRPr/>
+                      </a:pPr>
+                      <a:r>
+                        <a:rPr lang="ja-JP" altLang="en-US" sz="2400" b="1" i="0">
+                          <a:latin typeface="Meiryo UI" panose="020B0604030504040204" pitchFamily="34" charset="-128"/>
+                          <a:ea typeface="Meiryo UI" panose="020B0604030504040204" pitchFamily="34" charset="-128"/>
+                        </a:rPr>
+                        <a:t>✗</a:t>
+                      </a:r>
+                      <a:endParaRPr lang="en-US" sz="2400" b="1" i="0" dirty="0">
+                        <a:latin typeface="Meiryo UI" panose="020B0604030504040204" pitchFamily="34" charset="-128"/>
+                        <a:ea typeface="Meiryo UI" panose="020B0604030504040204" pitchFamily="34" charset="-128"/>
+                      </a:endParaRPr>
+                    </a:p>
+                  </a:txBody>
+                  <a:tcPr anchor="ctr"/>
+                </a:tc>
+                <a:extLst>
+                  <a:ext uri="{0D108BD9-81ED-4DB2-BD59-A6C34878D82A}">
+                    <a16:rowId xmlns:a16="http://schemas.microsoft.com/office/drawing/2014/main" val="1324430030"/>
+                  </a:ext>
+                </a:extLst>
+              </a:tr>
+              <a:tr h="1431975">
+                <a:tc>
+                  <a:txBody>
+                    <a:bodyPr/>
+                    <a:lstStyle/>
+                    <a:p>
+                      <a:pPr marL="0" indent="0" algn="ctr">
+                        <a:buFont typeface="Arial" panose="020B0604020202020204" pitchFamily="34" charset="0"/>
+                        <a:buNone/>
+                      </a:pPr>
+                      <a:r>
+                        <a:rPr lang="ja-JP" altLang="en-US" sz="2400" b="1" i="0">
+                          <a:latin typeface="Meiryo UI" panose="020B0604030504040204" pitchFamily="34" charset="-128"/>
+                          <a:ea typeface="Meiryo UI" panose="020B0604030504040204" pitchFamily="34" charset="-128"/>
+                        </a:rPr>
+                        <a:t>クライアントアプリが</a:t>
+                      </a:r>
+                      <a:endParaRPr lang="en-US" altLang="ja-JP" sz="2400" b="1" i="0" dirty="0">
+                        <a:latin typeface="Meiryo UI" panose="020B0604030504040204" pitchFamily="34" charset="-128"/>
+                        <a:ea typeface="Meiryo UI" panose="020B0604030504040204" pitchFamily="34" charset="-128"/>
+                      </a:endParaRPr>
+                    </a:p>
+                    <a:p>
+                      <a:pPr marL="0" indent="0" algn="ctr">
+                        <a:buFont typeface="Arial" panose="020B0604020202020204" pitchFamily="34" charset="0"/>
+                        <a:buNone/>
+                      </a:pPr>
+                      <a:r>
+                        <a:rPr lang="en-US" sz="2400" b="1" i="0" dirty="0">
+                          <a:latin typeface="Meiryo UI" panose="020B0604030504040204" pitchFamily="34" charset="-128"/>
+                          <a:ea typeface="Meiryo UI" panose="020B0604030504040204" pitchFamily="34" charset="-128"/>
+                        </a:rPr>
+                        <a:t>AWS SDK</a:t>
+                      </a:r>
+                      <a:r>
+                        <a:rPr lang="ja-JP" altLang="en-US" sz="2400" b="1" i="0">
+                          <a:latin typeface="Meiryo UI" panose="020B0604030504040204" pitchFamily="34" charset="-128"/>
+                          <a:ea typeface="Meiryo UI" panose="020B0604030504040204" pitchFamily="34" charset="-128"/>
+                        </a:rPr>
+                        <a:t>等で</a:t>
+                      </a:r>
+                      <a:endParaRPr lang="en-US" altLang="ja-JP" sz="2400" b="1" i="0" dirty="0">
+                        <a:latin typeface="Meiryo UI" panose="020B0604030504040204" pitchFamily="34" charset="-128"/>
+                        <a:ea typeface="Meiryo UI" panose="020B0604030504040204" pitchFamily="34" charset="-128"/>
+                      </a:endParaRPr>
+                    </a:p>
+                    <a:p>
+                      <a:pPr marL="0" indent="0" algn="ctr">
+                        <a:buFont typeface="Arial" panose="020B0604020202020204" pitchFamily="34" charset="0"/>
+                        <a:buNone/>
+                      </a:pPr>
+                      <a:r>
+                        <a:rPr lang="en-US" sz="2400" b="1" i="0" dirty="0">
+                          <a:latin typeface="Meiryo UI" panose="020B0604030504040204" pitchFamily="34" charset="-128"/>
+                          <a:ea typeface="Meiryo UI" panose="020B0604030504040204" pitchFamily="34" charset="-128"/>
+                        </a:rPr>
+                        <a:t>S3</a:t>
+                      </a:r>
+                      <a:r>
+                        <a:rPr lang="ja-JP" altLang="en-US" sz="2400" b="1" i="0">
+                          <a:latin typeface="Meiryo UI" panose="020B0604030504040204" pitchFamily="34" charset="-128"/>
+                          <a:ea typeface="Meiryo UI" panose="020B0604030504040204" pitchFamily="34" charset="-128"/>
+                        </a:rPr>
+                        <a:t>や</a:t>
+                      </a:r>
+                      <a:r>
+                        <a:rPr lang="en-US" altLang="ja-JP" sz="2400" b="1" i="0" dirty="0">
+                          <a:latin typeface="Meiryo UI" panose="020B0604030504040204" pitchFamily="34" charset="-128"/>
+                          <a:ea typeface="Meiryo UI" panose="020B0604030504040204" pitchFamily="34" charset="-128"/>
+                        </a:rPr>
+                        <a:t>DynamoDB</a:t>
+                      </a:r>
+                      <a:r>
+                        <a:rPr lang="ja-JP" altLang="en-US" sz="2400" b="1" i="0">
+                          <a:latin typeface="Meiryo UI" panose="020B0604030504040204" pitchFamily="34" charset="-128"/>
+                          <a:ea typeface="Meiryo UI" panose="020B0604030504040204" pitchFamily="34" charset="-128"/>
+                        </a:rPr>
+                        <a:t>に</a:t>
+                      </a:r>
+                      <a:endParaRPr lang="en-US" altLang="ja-JP" sz="2400" b="1" i="0" dirty="0">
+                        <a:latin typeface="Meiryo UI" panose="020B0604030504040204" pitchFamily="34" charset="-128"/>
+                        <a:ea typeface="Meiryo UI" panose="020B0604030504040204" pitchFamily="34" charset="-128"/>
+                      </a:endParaRPr>
+                    </a:p>
+                    <a:p>
+                      <a:pPr marL="0" indent="0" algn="ctr">
+                        <a:buFont typeface="Arial" panose="020B0604020202020204" pitchFamily="34" charset="0"/>
+                        <a:buNone/>
+                      </a:pPr>
+                      <a:r>
+                        <a:rPr lang="ja-JP" altLang="en-US" sz="2400" b="1" i="0">
+                          <a:latin typeface="Meiryo UI" panose="020B0604030504040204" pitchFamily="34" charset="-128"/>
+                          <a:ea typeface="Meiryo UI" panose="020B0604030504040204" pitchFamily="34" charset="-128"/>
+                        </a:rPr>
+                        <a:t>直接アクセスする？</a:t>
+                      </a:r>
+                      <a:endParaRPr lang="en-US" sz="2400" b="1" i="0" dirty="0">
+                        <a:latin typeface="Meiryo UI" panose="020B0604030504040204" pitchFamily="34" charset="-128"/>
+                        <a:ea typeface="Meiryo UI" panose="020B0604030504040204" pitchFamily="34" charset="-128"/>
+                      </a:endParaRPr>
+                    </a:p>
+                  </a:txBody>
+                  <a:tcPr anchor="ctr"/>
+                </a:tc>
+                <a:tc>
+                  <a:txBody>
+                    <a:bodyPr/>
+                    <a:lstStyle/>
+                    <a:p>
+                      <a:pPr marL="0" marR="0" lvl="0" indent="0" algn="ctr" defTabSz="914400" rtl="0" eaLnBrk="1" fontAlgn="auto" latinLnBrk="0" hangingPunct="1">
+                        <a:lnSpc>
+                          <a:spcPct val="100000"/>
+                        </a:lnSpc>
+                        <a:spcBef>
+                          <a:spcPts val="0"/>
+                        </a:spcBef>
+                        <a:spcAft>
+                          <a:spcPts val="0"/>
+                        </a:spcAft>
+                        <a:buClrTx/>
+                        <a:buSzTx/>
+                        <a:buFont typeface="Arial" panose="020B0604020202020204" pitchFamily="34" charset="0"/>
+                        <a:buNone/>
+                        <a:tabLst/>
+                        <a:defRPr/>
+                      </a:pPr>
+                      <a:r>
+                        <a:rPr lang="ja-JP" altLang="en-US" sz="2400" b="1" i="0">
+                          <a:latin typeface="Meiryo UI" panose="020B0604030504040204" pitchFamily="34" charset="-128"/>
+                          <a:ea typeface="Meiryo UI" panose="020B0604030504040204" pitchFamily="34" charset="-128"/>
+                        </a:rPr>
+                        <a:t>○</a:t>
+                      </a:r>
+                      <a:endParaRPr lang="en-US" sz="2400" b="1" i="0" dirty="0">
+                        <a:latin typeface="Meiryo UI" panose="020B0604030504040204" pitchFamily="34" charset="-128"/>
+                        <a:ea typeface="Meiryo UI" panose="020B0604030504040204" pitchFamily="34" charset="-128"/>
+                      </a:endParaRPr>
+                    </a:p>
+                  </a:txBody>
+                  <a:tcPr anchor="ctr"/>
+                </a:tc>
+                <a:tc>
+                  <a:txBody>
+                    <a:bodyPr/>
+                    <a:lstStyle/>
+                    <a:p>
+                      <a:pPr marL="0" indent="0" algn="ctr">
+                        <a:buFont typeface="Arial" panose="020B0604020202020204" pitchFamily="34" charset="0"/>
+                        <a:buNone/>
+                      </a:pPr>
+                      <a:r>
+                        <a:rPr lang="ja-JP" altLang="en-US" sz="2400" b="1" i="0">
+                          <a:latin typeface="Meiryo UI" panose="020B0604030504040204" pitchFamily="34" charset="-128"/>
+                          <a:ea typeface="Meiryo UI" panose="020B0604030504040204" pitchFamily="34" charset="-128"/>
+                        </a:rPr>
+                        <a:t>✗</a:t>
+                      </a:r>
+                      <a:endParaRPr lang="en-US" sz="2400" b="1" i="0" dirty="0">
+                        <a:latin typeface="Meiryo UI" panose="020B0604030504040204" pitchFamily="34" charset="-128"/>
+                        <a:ea typeface="Meiryo UI" panose="020B0604030504040204" pitchFamily="34" charset="-128"/>
+                      </a:endParaRPr>
+                    </a:p>
+                  </a:txBody>
+                  <a:tcPr anchor="ctr"/>
+                </a:tc>
+                <a:tc>
+                  <a:txBody>
+                    <a:bodyPr/>
+                    <a:lstStyle/>
+                    <a:p>
+                      <a:pPr marL="0" marR="0" lvl="0" indent="0" algn="ctr" defTabSz="914400" rtl="0" eaLnBrk="1" fontAlgn="auto" latinLnBrk="0" hangingPunct="1">
+                        <a:lnSpc>
+                          <a:spcPct val="100000"/>
+                        </a:lnSpc>
+                        <a:spcBef>
+                          <a:spcPts val="0"/>
+                        </a:spcBef>
+                        <a:spcAft>
+                          <a:spcPts val="0"/>
+                        </a:spcAft>
+                        <a:buClrTx/>
+                        <a:buSzTx/>
+                        <a:buFont typeface="Arial" panose="020B0604020202020204" pitchFamily="34" charset="0"/>
+                        <a:buNone/>
+                        <a:tabLst/>
+                        <a:defRPr/>
+                      </a:pPr>
+                      <a:r>
+                        <a:rPr lang="ja-JP" altLang="en-US" sz="2400" b="1" i="0">
+                          <a:latin typeface="Meiryo UI" panose="020B0604030504040204" pitchFamily="34" charset="-128"/>
+                          <a:ea typeface="Meiryo UI" panose="020B0604030504040204" pitchFamily="34" charset="-128"/>
+                        </a:rPr>
+                        <a:t>○</a:t>
+                      </a:r>
+                      <a:endParaRPr lang="en-US" sz="2400" b="1" i="0" dirty="0">
+                        <a:latin typeface="Meiryo UI" panose="020B0604030504040204" pitchFamily="34" charset="-128"/>
+                        <a:ea typeface="Meiryo UI" panose="020B0604030504040204" pitchFamily="34" charset="-128"/>
+                      </a:endParaRPr>
+                    </a:p>
+                  </a:txBody>
+                  <a:tcPr anchor="ctr"/>
+                </a:tc>
+                <a:tc>
+                  <a:txBody>
+                    <a:bodyPr/>
+                    <a:lstStyle/>
+                    <a:p>
+                      <a:pPr marL="0" indent="0" algn="ctr">
+                        <a:buFont typeface="Arial" panose="020B0604020202020204" pitchFamily="34" charset="0"/>
+                        <a:buNone/>
+                      </a:pPr>
+                      <a:r>
+                        <a:rPr lang="ja-JP" altLang="en-US" sz="2400" b="1" i="0">
+                          <a:latin typeface="Meiryo UI" panose="020B0604030504040204" pitchFamily="34" charset="-128"/>
+                          <a:ea typeface="Meiryo UI" panose="020B0604030504040204" pitchFamily="34" charset="-128"/>
+                        </a:rPr>
+                        <a:t>✗</a:t>
+                      </a:r>
+                      <a:endParaRPr lang="en-US" sz="2400" b="1" i="0" dirty="0">
+                        <a:latin typeface="Meiryo UI" panose="020B0604030504040204" pitchFamily="34" charset="-128"/>
+                        <a:ea typeface="Meiryo UI" panose="020B0604030504040204" pitchFamily="34" charset="-128"/>
+                      </a:endParaRPr>
+                    </a:p>
+                  </a:txBody>
+                  <a:tcPr anchor="ctr"/>
+                </a:tc>
+                <a:extLst>
+                  <a:ext uri="{0D108BD9-81ED-4DB2-BD59-A6C34878D82A}">
+                    <a16:rowId xmlns:a16="http://schemas.microsoft.com/office/drawing/2014/main" val="2455629411"/>
+                  </a:ext>
+                </a:extLst>
+              </a:tr>
+            </a:tbl>
+          </a:graphicData>
+        </a:graphic>
+      </p:graphicFrame>
+    </p:spTree>
+    <p:extLst>
+      <p:ext uri="{BB962C8B-B14F-4D97-AF65-F5344CB8AC3E}">
+        <p14:creationId xmlns:p14="http://schemas.microsoft.com/office/powerpoint/2010/main" val="2812526244"/>
+      </p:ext>
+    </p:extLst>
+  </p:cSld>
+  <p:clrMapOvr>
+    <a:masterClrMapping/>
+  </p:clrMapOvr>
+</p:sld>
+</file>
+
+<file path=ppt/slides/slide5.xml><?xml version="1.0" encoding="utf-8"?>
+<p:sld xmlns:a="http://schemas.openxmlformats.org/drawingml/2006/main" xmlns:r="http://schemas.openxmlformats.org/officeDocument/2006/relationships" xmlns:p="http://schemas.openxmlformats.org/presentationml/2006/main">
+  <p:cSld>
+    <p:spTree>
+      <p:nvGrpSpPr>
+        <p:cNvPr id="1" name=""/>
+        <p:cNvGrpSpPr/>
+        <p:nvPr/>
+      </p:nvGrpSpPr>
+      <p:grpSpPr>
+        <a:xfrm>
+          <a:off x="0" y="0"/>
+          <a:ext cx="0" cy="0"/>
+          <a:chOff x="0" y="0"/>
+          <a:chExt cx="0" cy="0"/>
+        </a:xfrm>
+      </p:grpSpPr>
+      <p:graphicFrame>
+        <p:nvGraphicFramePr>
+          <p:cNvPr id="2" name="Table 1">
+            <a:extLst>
+              <a:ext uri="{FF2B5EF4-FFF2-40B4-BE49-F238E27FC236}">
+                <a16:creationId xmlns:a16="http://schemas.microsoft.com/office/drawing/2014/main" id="{57B3F07F-AD78-C94A-8D92-484407AB5FEC}"/>
+              </a:ext>
+            </a:extLst>
+          </p:cNvPr>
+          <p:cNvGraphicFramePr>
+            <a:graphicFrameLocks noGrp="1"/>
+          </p:cNvGraphicFramePr>
+          <p:nvPr>
+            <p:extLst>
+              <p:ext uri="{D42A27DB-BD31-4B8C-83A1-F6EECF244321}">
+                <p14:modId xmlns:p14="http://schemas.microsoft.com/office/powerpoint/2010/main" val="2413075101"/>
+              </p:ext>
+            </p:extLst>
+          </p:nvPr>
+        </p:nvGraphicFramePr>
+        <p:xfrm>
+          <a:off x="0" y="1"/>
+          <a:ext cx="12192000" cy="3429000"/>
+        </p:xfrm>
+        <a:graphic>
+          <a:graphicData uri="http://schemas.openxmlformats.org/drawingml/2006/table">
+            <a:tbl>
+              <a:tblPr firstRow="1" bandRow="1">
+                <a:tableStyleId>{5C22544A-7EE6-4342-B048-85BDC9FD1C3A}</a:tableStyleId>
+              </a:tblPr>
+              <a:tblGrid>
+                <a:gridCol w="2088292">
+                  <a:extLst>
+                    <a:ext uri="{9D8B030D-6E8A-4147-A177-3AD203B41FA5}">
+                      <a16:colId xmlns:a16="http://schemas.microsoft.com/office/drawing/2014/main" val="529451454"/>
+                    </a:ext>
+                  </a:extLst>
+                </a:gridCol>
+                <a:gridCol w="4609070">
+                  <a:extLst>
+                    <a:ext uri="{9D8B030D-6E8A-4147-A177-3AD203B41FA5}">
+                      <a16:colId xmlns:a16="http://schemas.microsoft.com/office/drawing/2014/main" val="1269413051"/>
+                    </a:ext>
+                  </a:extLst>
+                </a:gridCol>
+                <a:gridCol w="5494638">
+                  <a:extLst>
+                    <a:ext uri="{9D8B030D-6E8A-4147-A177-3AD203B41FA5}">
+                      <a16:colId xmlns:a16="http://schemas.microsoft.com/office/drawing/2014/main" val="1259843160"/>
+                    </a:ext>
+                  </a:extLst>
+                </a:gridCol>
+              </a:tblGrid>
+              <a:tr h="565050">
+                <a:tc>
+                  <a:txBody>
+                    <a:bodyPr/>
+                    <a:lstStyle/>
+                    <a:p>
+                      <a:endParaRPr lang="en-US" sz="2400" b="1" i="0" dirty="0">
+                        <a:latin typeface="Meiryo UI" panose="020B0604030504040204" pitchFamily="34" charset="-128"/>
+                        <a:ea typeface="Meiryo UI" panose="020B0604030504040204" pitchFamily="34" charset="-128"/>
+                      </a:endParaRPr>
+                    </a:p>
+                  </a:txBody>
+                  <a:tcPr anchor="ctr">
+                    <a:solidFill>
+                      <a:srgbClr val="754169"/>
+                    </a:solidFill>
+                  </a:tcPr>
+                </a:tc>
+                <a:tc>
+                  <a:txBody>
+                    <a:bodyPr/>
+                    <a:lstStyle/>
+                    <a:p>
+                      <a:r>
+                        <a:rPr lang="ja-JP" altLang="en-US" sz="2400" b="1" i="0">
+                          <a:latin typeface="Meiryo UI" panose="020B0604030504040204" pitchFamily="34" charset="-128"/>
+                          <a:ea typeface="Meiryo UI" panose="020B0604030504040204" pitchFamily="34" charset="-128"/>
+                        </a:rPr>
+                        <a:t>ユーザー移行</a:t>
+                      </a:r>
+                      <a:r>
+                        <a:rPr lang="en-US" altLang="ja-JP" sz="2400" b="1" i="0" dirty="0">
+                          <a:latin typeface="Meiryo UI" panose="020B0604030504040204" pitchFamily="34" charset="-128"/>
+                          <a:ea typeface="Meiryo UI" panose="020B0604030504040204" pitchFamily="34" charset="-128"/>
+                        </a:rPr>
+                        <a:t>Lambda</a:t>
+                      </a:r>
+                      <a:r>
+                        <a:rPr lang="ja-JP" altLang="en-US" sz="2400" b="1" i="0">
+                          <a:latin typeface="Meiryo UI" panose="020B0604030504040204" pitchFamily="34" charset="-128"/>
+                          <a:ea typeface="Meiryo UI" panose="020B0604030504040204" pitchFamily="34" charset="-128"/>
+                        </a:rPr>
+                        <a:t>トリガー</a:t>
+                      </a:r>
+                      <a:endParaRPr lang="en-US" sz="2400" b="1" i="0" dirty="0">
+                        <a:latin typeface="Meiryo UI" panose="020B0604030504040204" pitchFamily="34" charset="-128"/>
+                        <a:ea typeface="Meiryo UI" panose="020B0604030504040204" pitchFamily="34" charset="-128"/>
+                      </a:endParaRPr>
+                    </a:p>
+                  </a:txBody>
+                  <a:tcPr anchor="ctr">
+                    <a:solidFill>
+                      <a:srgbClr val="754169"/>
+                    </a:solidFill>
+                  </a:tcPr>
+                </a:tc>
+                <a:tc>
+                  <a:txBody>
+                    <a:bodyPr/>
+                    <a:lstStyle/>
+                    <a:p>
+                      <a:r>
+                        <a:rPr lang="en-US" sz="2400" b="1" i="0" dirty="0">
+                          <a:latin typeface="Meiryo UI" panose="020B0604030504040204" pitchFamily="34" charset="-128"/>
+                          <a:ea typeface="Meiryo UI" panose="020B0604030504040204" pitchFamily="34" charset="-128"/>
+                        </a:rPr>
+                        <a:t>CSV</a:t>
+                      </a:r>
+                      <a:r>
+                        <a:rPr lang="ja-JP" altLang="en-US" sz="2400" b="1" i="0">
+                          <a:latin typeface="Meiryo UI" panose="020B0604030504040204" pitchFamily="34" charset="-128"/>
+                          <a:ea typeface="Meiryo UI" panose="020B0604030504040204" pitchFamily="34" charset="-128"/>
+                        </a:rPr>
+                        <a:t>ファイルのインポート</a:t>
+                      </a:r>
+                      <a:endParaRPr lang="en-US" sz="2400" b="1" i="0" dirty="0">
+                        <a:latin typeface="Meiryo UI" panose="020B0604030504040204" pitchFamily="34" charset="-128"/>
+                        <a:ea typeface="Meiryo UI" panose="020B0604030504040204" pitchFamily="34" charset="-128"/>
+                      </a:endParaRPr>
+                    </a:p>
+                  </a:txBody>
+                  <a:tcPr anchor="ctr">
+                    <a:solidFill>
+                      <a:srgbClr val="754169"/>
+                    </a:solidFill>
+                  </a:tcPr>
+                </a:tc>
+                <a:extLst>
+                  <a:ext uri="{0D108BD9-81ED-4DB2-BD59-A6C34878D82A}">
+                    <a16:rowId xmlns:a16="http://schemas.microsoft.com/office/drawing/2014/main" val="2110701594"/>
+                  </a:ext>
+                </a:extLst>
+              </a:tr>
+              <a:tr h="1431975">
+                <a:tc>
+                  <a:txBody>
+                    <a:bodyPr/>
+                    <a:lstStyle/>
+                    <a:p>
+                      <a:r>
+                        <a:rPr lang="ja-JP" altLang="en-US" sz="2400" b="1" i="0">
+                          <a:latin typeface="Meiryo UI" panose="020B0604030504040204" pitchFamily="34" charset="-128"/>
+                          <a:ea typeface="Meiryo UI" panose="020B0604030504040204" pitchFamily="34" charset="-128"/>
+                        </a:rPr>
+                        <a:t>メリット</a:t>
+                      </a:r>
+                      <a:endParaRPr lang="en-US" sz="2400" b="1" i="0" dirty="0">
+                        <a:latin typeface="Meiryo UI" panose="020B0604030504040204" pitchFamily="34" charset="-128"/>
+                        <a:ea typeface="Meiryo UI" panose="020B0604030504040204" pitchFamily="34" charset="-128"/>
+                      </a:endParaRPr>
+                    </a:p>
+                  </a:txBody>
+                  <a:tcPr anchor="ctr"/>
+                </a:tc>
+                <a:tc>
+                  <a:txBody>
+                    <a:bodyPr/>
+                    <a:lstStyle/>
+                    <a:p>
+                      <a:pPr marL="342900" marR="0" lvl="0" indent="-342900" algn="l" defTabSz="914400" rtl="0" eaLnBrk="1" fontAlgn="auto" latinLnBrk="0" hangingPunct="1">
+                        <a:lnSpc>
+                          <a:spcPct val="100000"/>
+                        </a:lnSpc>
+                        <a:spcBef>
+                          <a:spcPts val="0"/>
+                        </a:spcBef>
+                        <a:spcAft>
+                          <a:spcPts val="0"/>
+                        </a:spcAft>
+                        <a:buClrTx/>
+                        <a:buSzTx/>
+                        <a:buFont typeface="Arial" panose="020B0604020202020204" pitchFamily="34" charset="0"/>
+                        <a:buChar char="•"/>
+                        <a:tabLst/>
+                        <a:defRPr/>
+                      </a:pPr>
+                      <a:r>
+                        <a:rPr lang="ja-JP" altLang="en-US" sz="2400" b="1" i="0">
+                          <a:latin typeface="Meiryo UI" panose="020B0604030504040204" pitchFamily="34" charset="-128"/>
+                          <a:ea typeface="Meiryo UI" panose="020B0604030504040204" pitchFamily="34" charset="-128"/>
+                        </a:rPr>
+                        <a:t>パスワードが移行できる</a:t>
+                      </a:r>
+                      <a:endParaRPr lang="en-US" altLang="ja-JP" sz="2400" b="1" i="0" dirty="0">
+                        <a:latin typeface="Meiryo UI" panose="020B0604030504040204" pitchFamily="34" charset="-128"/>
+                        <a:ea typeface="Meiryo UI" panose="020B0604030504040204" pitchFamily="34" charset="-128"/>
+                      </a:endParaRPr>
+                    </a:p>
+                    <a:p>
+                      <a:pPr marL="342900" indent="-342900">
+                        <a:buFont typeface="Arial" panose="020B0604020202020204" pitchFamily="34" charset="0"/>
+                        <a:buChar char="•"/>
+                      </a:pPr>
+                      <a:r>
+                        <a:rPr lang="ja-JP" altLang="en-US" sz="2400" b="1" i="0">
+                          <a:latin typeface="Meiryo UI" panose="020B0604030504040204" pitchFamily="34" charset="-128"/>
+                          <a:ea typeface="Meiryo UI" panose="020B0604030504040204" pitchFamily="34" charset="-128"/>
+                        </a:rPr>
+                        <a:t>ユーザーごとに移行できる</a:t>
+                      </a:r>
+                      <a:endParaRPr lang="en-US" altLang="ja-JP" sz="2400" b="1" i="0" dirty="0">
+                        <a:latin typeface="Meiryo UI" panose="020B0604030504040204" pitchFamily="34" charset="-128"/>
+                        <a:ea typeface="Meiryo UI" panose="020B0604030504040204" pitchFamily="34" charset="-128"/>
+                      </a:endParaRPr>
+                    </a:p>
+                  </a:txBody>
+                  <a:tcPr anchor="ctr"/>
+                </a:tc>
+                <a:tc>
+                  <a:txBody>
+                    <a:bodyPr/>
+                    <a:lstStyle/>
+                    <a:p>
+                      <a:pPr marL="342900" indent="-342900">
+                        <a:buFont typeface="Arial" panose="020B0604020202020204" pitchFamily="34" charset="0"/>
+                        <a:buChar char="•"/>
+                      </a:pPr>
+                      <a:r>
+                        <a:rPr lang="ja-JP" altLang="en-US" sz="2400" b="1" i="0">
+                          <a:latin typeface="Meiryo UI" panose="020B0604030504040204" pitchFamily="34" charset="-128"/>
+                          <a:ea typeface="Meiryo UI" panose="020B0604030504040204" pitchFamily="34" charset="-128"/>
+                        </a:rPr>
+                        <a:t>全ユーザーを一括で移行できる</a:t>
+                      </a:r>
+                      <a:endParaRPr lang="en-US" altLang="ja-JP" sz="2400" b="1" i="0" dirty="0">
+                        <a:latin typeface="Meiryo UI" panose="020B0604030504040204" pitchFamily="34" charset="-128"/>
+                        <a:ea typeface="Meiryo UI" panose="020B0604030504040204" pitchFamily="34" charset="-128"/>
+                      </a:endParaRPr>
+                    </a:p>
+                    <a:p>
+                      <a:pPr marL="342900" indent="-342900">
+                        <a:buFont typeface="Arial" panose="020B0604020202020204" pitchFamily="34" charset="0"/>
+                        <a:buChar char="•"/>
+                      </a:pPr>
+                      <a:r>
+                        <a:rPr lang="ja-JP" altLang="en-US" sz="2400" b="1" i="0">
+                          <a:latin typeface="Meiryo UI" panose="020B0604030504040204" pitchFamily="34" charset="-128"/>
+                          <a:ea typeface="Meiryo UI" panose="020B0604030504040204" pitchFamily="34" charset="-128"/>
+                        </a:rPr>
+                        <a:t>追加の開発が少ない</a:t>
+                      </a:r>
+                      <a:endParaRPr lang="en-US" sz="2400" b="1" i="0" dirty="0">
+                        <a:latin typeface="Meiryo UI" panose="020B0604030504040204" pitchFamily="34" charset="-128"/>
+                        <a:ea typeface="Meiryo UI" panose="020B0604030504040204" pitchFamily="34" charset="-128"/>
+                      </a:endParaRPr>
+                    </a:p>
+                  </a:txBody>
+                  <a:tcPr anchor="ctr"/>
+                </a:tc>
+                <a:extLst>
+                  <a:ext uri="{0D108BD9-81ED-4DB2-BD59-A6C34878D82A}">
+                    <a16:rowId xmlns:a16="http://schemas.microsoft.com/office/drawing/2014/main" val="1324430030"/>
+                  </a:ext>
+                </a:extLst>
+              </a:tr>
+              <a:tr h="1431975">
+                <a:tc>
+                  <a:txBody>
+                    <a:bodyPr/>
+                    <a:lstStyle/>
+                    <a:p>
+                      <a:r>
+                        <a:rPr lang="ja-JP" altLang="en-US" sz="2400" b="1" i="0">
+                          <a:latin typeface="Meiryo UI" panose="020B0604030504040204" pitchFamily="34" charset="-128"/>
+                          <a:ea typeface="Meiryo UI" panose="020B0604030504040204" pitchFamily="34" charset="-128"/>
+                        </a:rPr>
+                        <a:t>デメリット</a:t>
+                      </a:r>
+                      <a:endParaRPr lang="en-US" sz="2400" b="1" i="0" dirty="0">
+                        <a:latin typeface="Meiryo UI" panose="020B0604030504040204" pitchFamily="34" charset="-128"/>
+                        <a:ea typeface="Meiryo UI" panose="020B0604030504040204" pitchFamily="34" charset="-128"/>
+                      </a:endParaRPr>
+                    </a:p>
+                  </a:txBody>
+                  <a:tcPr anchor="ctr"/>
+                </a:tc>
+                <a:tc>
+                  <a:txBody>
+                    <a:bodyPr/>
+                    <a:lstStyle/>
+                    <a:p>
+                      <a:pPr marL="342900" indent="-342900">
+                        <a:buFont typeface="Arial" panose="020B0604020202020204" pitchFamily="34" charset="0"/>
+                        <a:buChar char="•"/>
+                      </a:pPr>
+                      <a:r>
+                        <a:rPr lang="en-US" sz="2400" b="1" i="0" dirty="0">
+                          <a:latin typeface="Meiryo UI" panose="020B0604030504040204" pitchFamily="34" charset="-128"/>
+                          <a:ea typeface="Meiryo UI" panose="020B0604030504040204" pitchFamily="34" charset="-128"/>
+                        </a:rPr>
+                        <a:t>AWS Lambda</a:t>
+                      </a:r>
+                      <a:r>
+                        <a:rPr lang="ja-JP" altLang="en-US" sz="2400" b="1" i="0">
+                          <a:latin typeface="Meiryo UI" panose="020B0604030504040204" pitchFamily="34" charset="-128"/>
+                          <a:ea typeface="Meiryo UI" panose="020B0604030504040204" pitchFamily="34" charset="-128"/>
+                        </a:rPr>
+                        <a:t>関数の開発</a:t>
+                      </a:r>
+                      <a:endParaRPr lang="en-US" sz="2400" b="1" i="0" dirty="0">
+                        <a:latin typeface="Meiryo UI" panose="020B0604030504040204" pitchFamily="34" charset="-128"/>
+                        <a:ea typeface="Meiryo UI" panose="020B0604030504040204" pitchFamily="34" charset="-128"/>
+                      </a:endParaRPr>
+                    </a:p>
+                  </a:txBody>
+                  <a:tcPr anchor="ctr"/>
+                </a:tc>
+                <a:tc>
+                  <a:txBody>
+                    <a:bodyPr/>
+                    <a:lstStyle/>
+                    <a:p>
+                      <a:pPr marL="342900" indent="-342900">
+                        <a:buFont typeface="Arial" panose="020B0604020202020204" pitchFamily="34" charset="0"/>
+                        <a:buChar char="•"/>
+                      </a:pPr>
+                      <a:r>
+                        <a:rPr lang="ja-JP" altLang="en-US" sz="2400" b="1" i="0">
+                          <a:latin typeface="Meiryo UI" panose="020B0604030504040204" pitchFamily="34" charset="-128"/>
+                          <a:ea typeface="Meiryo UI" panose="020B0604030504040204" pitchFamily="34" charset="-128"/>
+                        </a:rPr>
+                        <a:t>パスワードが移行できない</a:t>
+                      </a:r>
+                      <a:endParaRPr lang="en-US" sz="2400" b="1" i="0" dirty="0">
+                        <a:latin typeface="Meiryo UI" panose="020B0604030504040204" pitchFamily="34" charset="-128"/>
+                        <a:ea typeface="Meiryo UI" panose="020B0604030504040204" pitchFamily="34" charset="-128"/>
+                      </a:endParaRPr>
+                    </a:p>
+                  </a:txBody>
+                  <a:tcPr anchor="ctr"/>
+                </a:tc>
+                <a:extLst>
+                  <a:ext uri="{0D108BD9-81ED-4DB2-BD59-A6C34878D82A}">
+                    <a16:rowId xmlns:a16="http://schemas.microsoft.com/office/drawing/2014/main" val="2455629411"/>
+                  </a:ext>
+                </a:extLst>
+              </a:tr>
+            </a:tbl>
+          </a:graphicData>
+        </a:graphic>
+      </p:graphicFrame>
+    </p:spTree>
+    <p:extLst>
+      <p:ext uri="{BB962C8B-B14F-4D97-AF65-F5344CB8AC3E}">
+        <p14:creationId xmlns:p14="http://schemas.microsoft.com/office/powerpoint/2010/main" val="4076910385"/>
       </p:ext>
     </p:extLst>
   </p:cSld>

--- a/images/figures.pptx
+++ b/images/figures.pptx
@@ -4668,141 +4668,6 @@
       </p:grpSpPr>
       <p:sp>
         <p:nvSpPr>
-          <p:cNvPr id="63" name="TextBox 62">
-            <a:extLst>
-              <a:ext uri="{FF2B5EF4-FFF2-40B4-BE49-F238E27FC236}">
-                <a16:creationId xmlns:a16="http://schemas.microsoft.com/office/drawing/2014/main" id="{4E5F9637-6BCD-0E4D-A613-1766A34DE5DB}"/>
-              </a:ext>
-            </a:extLst>
-          </p:cNvPr>
-          <p:cNvSpPr txBox="1"/>
-          <p:nvPr/>
-        </p:nvSpPr>
-        <p:spPr>
-          <a:xfrm>
-            <a:off x="2419222" y="3737043"/>
-            <a:ext cx="4306995" cy="523220"/>
-          </a:xfrm>
-          <a:prstGeom prst="rect">
-            <a:avLst/>
-          </a:prstGeom>
-          <a:noFill/>
-        </p:spPr>
-        <p:txBody>
-          <a:bodyPr wrap="square" rtlCol="0">
-            <a:spAutoFit/>
-          </a:bodyPr>
-          <a:lstStyle/>
-          <a:p>
-            <a:r>
-              <a:rPr lang="en-US" altLang="ja-JP" sz="1400" dirty="0"/>
-              <a:t>ID</a:t>
-            </a:r>
-            <a:r>
-              <a:rPr lang="ja-JP" altLang="en-US" sz="1400"/>
-              <a:t>トークンを渡し、必要なクレデンシャル</a:t>
-            </a:r>
-            <a:endParaRPr lang="en-US" altLang="ja-JP" sz="1400" dirty="0"/>
-          </a:p>
-          <a:p>
-            <a:r>
-              <a:rPr lang="ja-JP" altLang="en-US" sz="1400"/>
-              <a:t>（</a:t>
-            </a:r>
-            <a:r>
-              <a:rPr lang="en-US" altLang="ja-JP" sz="1400" dirty="0"/>
-              <a:t>AWS</a:t>
-            </a:r>
-            <a:r>
-              <a:rPr lang="ja-JP" altLang="en-US" sz="1400"/>
-              <a:t>認証情報、アクセスキーなど）を取得</a:t>
-            </a:r>
-            <a:endParaRPr lang="en-US" altLang="ja-JP" sz="1400" dirty="0"/>
-          </a:p>
-        </p:txBody>
-      </p:sp>
-      <p:sp>
-        <p:nvSpPr>
-          <p:cNvPr id="57" name="TextBox 56">
-            <a:extLst>
-              <a:ext uri="{FF2B5EF4-FFF2-40B4-BE49-F238E27FC236}">
-                <a16:creationId xmlns:a16="http://schemas.microsoft.com/office/drawing/2014/main" id="{4C0EFF2E-02C9-9342-9A7F-6CDC6B2B46E1}"/>
-              </a:ext>
-            </a:extLst>
-          </p:cNvPr>
-          <p:cNvSpPr txBox="1"/>
-          <p:nvPr/>
-        </p:nvSpPr>
-        <p:spPr>
-          <a:xfrm>
-            <a:off x="291607" y="5509347"/>
-            <a:ext cx="4306995" cy="1169551"/>
-          </a:xfrm>
-          <a:prstGeom prst="rect">
-            <a:avLst/>
-          </a:prstGeom>
-          <a:noFill/>
-        </p:spPr>
-        <p:txBody>
-          <a:bodyPr wrap="square" rtlCol="0">
-            <a:spAutoFit/>
-          </a:bodyPr>
-          <a:lstStyle/>
-          <a:p>
-            <a:r>
-              <a:rPr lang="en-US" altLang="ja-JP" sz="1400" dirty="0"/>
-              <a:t>AWS</a:t>
-            </a:r>
-            <a:r>
-              <a:rPr lang="ja-JP" altLang="en-US" sz="1400"/>
-              <a:t>のサービスにアクセス</a:t>
-            </a:r>
-            <a:endParaRPr lang="en-US" altLang="ja-JP" sz="1400" dirty="0"/>
-          </a:p>
-          <a:p>
-            <a:r>
-              <a:rPr lang="ja-JP" altLang="en-US" sz="1400"/>
-              <a:t>→</a:t>
-            </a:r>
-            <a:r>
-              <a:rPr lang="en-US" altLang="ja-JP" sz="1400" dirty="0"/>
-              <a:t> AWS</a:t>
-            </a:r>
-            <a:r>
-              <a:rPr lang="ja-JP" altLang="en-US" sz="1400"/>
-              <a:t>の認証情報を設定してリクエスト</a:t>
-            </a:r>
-            <a:endParaRPr lang="en-US" altLang="ja-JP" sz="1400" dirty="0"/>
-          </a:p>
-          <a:p>
-            <a:endParaRPr lang="en-US" altLang="ja-JP" sz="1400" dirty="0"/>
-          </a:p>
-          <a:p>
-            <a:r>
-              <a:rPr lang="ja-JP" altLang="en-US" sz="1400"/>
-              <a:t>クライアントとリソースサーバーが異なるサービス</a:t>
-            </a:r>
-            <a:endParaRPr lang="en-US" altLang="ja-JP" sz="1400" dirty="0"/>
-          </a:p>
-          <a:p>
-            <a:r>
-              <a:rPr lang="ja-JP" altLang="en-US" sz="1400"/>
-              <a:t>→</a:t>
-            </a:r>
-            <a:r>
-              <a:rPr lang="en-US" altLang="ja-JP" sz="1400" dirty="0"/>
-              <a:t> </a:t>
-            </a:r>
-            <a:r>
-              <a:rPr lang="ja-JP" altLang="en-US" sz="1400"/>
-              <a:t>アクセストークンを設定してリクエスト</a:t>
-            </a:r>
-            <a:endParaRPr lang="en-US" altLang="ja-JP" sz="1400" dirty="0"/>
-          </a:p>
-        </p:txBody>
-      </p:sp>
-      <p:sp>
-        <p:nvSpPr>
           <p:cNvPr id="4" name="TextBox 3">
             <a:extLst>
               <a:ext uri="{FF2B5EF4-FFF2-40B4-BE49-F238E27FC236}">
@@ -4887,7 +4752,7 @@
         </p:nvGrpSpPr>
         <p:grpSpPr>
           <a:xfrm>
-            <a:off x="8608768" y="5017299"/>
+            <a:off x="6474395" y="5017299"/>
             <a:ext cx="2969209" cy="1573148"/>
             <a:chOff x="2375430" y="4718844"/>
             <a:chExt cx="2301904" cy="1219596"/>
@@ -4973,99 +4838,6 @@
           </p:spPr>
         </p:pic>
       </p:grpSp>
-      <p:grpSp>
-        <p:nvGrpSpPr>
-          <p:cNvPr id="13" name="Group 12">
-            <a:extLst>
-              <a:ext uri="{FF2B5EF4-FFF2-40B4-BE49-F238E27FC236}">
-                <a16:creationId xmlns:a16="http://schemas.microsoft.com/office/drawing/2014/main" id="{F06E3FE6-8A2A-AE44-86F3-709ABAF65384}"/>
-              </a:ext>
-            </a:extLst>
-          </p:cNvPr>
-          <p:cNvGrpSpPr/>
-          <p:nvPr/>
-        </p:nvGrpSpPr>
-        <p:grpSpPr>
-          <a:xfrm>
-            <a:off x="6474395" y="5022162"/>
-            <a:ext cx="2900720" cy="1250271"/>
-            <a:chOff x="5267295" y="2383190"/>
-            <a:chExt cx="2301904" cy="992169"/>
-          </a:xfrm>
-        </p:grpSpPr>
-        <p:sp>
-          <p:nvSpPr>
-            <p:cNvPr id="11" name="TextBox 10">
-              <a:extLst>
-                <a:ext uri="{FF2B5EF4-FFF2-40B4-BE49-F238E27FC236}">
-                  <a16:creationId xmlns:a16="http://schemas.microsoft.com/office/drawing/2014/main" id="{E86ED8DC-4807-5941-850C-A3F2B57DF06B}"/>
-                </a:ext>
-              </a:extLst>
-            </p:cNvPr>
-            <p:cNvSpPr txBox="1"/>
-            <p:nvPr/>
-          </p:nvSpPr>
-          <p:spPr>
-            <a:xfrm>
-              <a:off x="5267295" y="3082271"/>
-              <a:ext cx="2301904" cy="293088"/>
-            </a:xfrm>
-            <a:prstGeom prst="rect">
-              <a:avLst/>
-            </a:prstGeom>
-            <a:noFill/>
-          </p:spPr>
-          <p:txBody>
-            <a:bodyPr wrap="square" rtlCol="0">
-              <a:spAutoFit/>
-            </a:bodyPr>
-            <a:lstStyle/>
-            <a:p>
-              <a:pPr algn="ctr"/>
-              <a:r>
-                <a:rPr lang="en-US" dirty="0"/>
-                <a:t>AWS ALB</a:t>
-              </a:r>
-            </a:p>
-          </p:txBody>
-        </p:sp>
-        <p:pic>
-          <p:nvPicPr>
-            <p:cNvPr id="12" name="Graphic 11">
-              <a:extLst>
-                <a:ext uri="{FF2B5EF4-FFF2-40B4-BE49-F238E27FC236}">
-                  <a16:creationId xmlns:a16="http://schemas.microsoft.com/office/drawing/2014/main" id="{16D97CA0-CFCD-1E41-ADC8-173C368BF402}"/>
-                </a:ext>
-              </a:extLst>
-            </p:cNvPr>
-            <p:cNvPicPr>
-              <a:picLocks noChangeAspect="1"/>
-            </p:cNvPicPr>
-            <p:nvPr/>
-          </p:nvPicPr>
-          <p:blipFill>
-            <a:blip r:embed="rId4">
-              <a:extLst>
-                <a:ext uri="{96DAC541-7B7A-43D3-8B79-37D633B846F1}">
-                  <asvg:svgBlip xmlns:asvg="http://schemas.microsoft.com/office/drawing/2016/SVG/main" r:embed="rId5"/>
-                </a:ext>
-              </a:extLst>
-            </a:blip>
-            <a:stretch>
-              <a:fillRect/>
-            </a:stretch>
-          </p:blipFill>
-          <p:spPr>
-            <a:xfrm>
-              <a:off x="6062648" y="2383190"/>
-              <a:ext cx="711200" cy="711200"/>
-            </a:xfrm>
-            <a:prstGeom prst="rect">
-              <a:avLst/>
-            </a:prstGeom>
-          </p:spPr>
-        </p:pic>
-      </p:grpSp>
       <p:cxnSp>
         <p:nvCxnSpPr>
           <p:cNvPr id="15" name="Straight Arrow Connector 14">
@@ -5147,10 +4919,10 @@
             <p:nvPr/>
           </p:nvPicPr>
           <p:blipFill>
-            <a:blip r:embed="rId6">
+            <a:blip r:embed="rId4">
               <a:extLst>
                 <a:ext uri="{96DAC541-7B7A-43D3-8B79-37D633B846F1}">
-                  <asvg:svgBlip xmlns:asvg="http://schemas.microsoft.com/office/drawing/2016/SVG/main" r:embed="rId7"/>
+                  <asvg:svgBlip xmlns:asvg="http://schemas.microsoft.com/office/drawing/2016/SVG/main" r:embed="rId5"/>
                 </a:ext>
               </a:extLst>
             </a:blip>
@@ -5548,65 +5320,6 @@
               </a:rPr>
               <a:t>5</a:t>
             </a:r>
-          </a:p>
-        </p:txBody>
-      </p:sp>
-      <p:sp>
-        <p:nvSpPr>
-          <p:cNvPr id="47" name="TextBox 46">
-            <a:extLst>
-              <a:ext uri="{FF2B5EF4-FFF2-40B4-BE49-F238E27FC236}">
-                <a16:creationId xmlns:a16="http://schemas.microsoft.com/office/drawing/2014/main" id="{3B7F51B0-DB9B-8C49-8E5B-20D7622AB3EE}"/>
-              </a:ext>
-            </a:extLst>
-          </p:cNvPr>
-          <p:cNvSpPr txBox="1"/>
-          <p:nvPr/>
-        </p:nvSpPr>
-        <p:spPr>
-          <a:xfrm>
-            <a:off x="1701807" y="765967"/>
-            <a:ext cx="3779546" cy="523220"/>
-          </a:xfrm>
-          <a:prstGeom prst="rect">
-            <a:avLst/>
-          </a:prstGeom>
-          <a:noFill/>
-        </p:spPr>
-        <p:txBody>
-          <a:bodyPr wrap="square" rtlCol="0">
-            <a:spAutoFit/>
-          </a:bodyPr>
-          <a:lstStyle/>
-          <a:p>
-            <a:r>
-              <a:rPr lang="ja-JP" altLang="en-US" sz="1400"/>
-              <a:t>ユーザー</a:t>
-            </a:r>
-            <a:r>
-              <a:rPr lang="en-US" altLang="ja-JP" sz="1400" dirty="0"/>
-              <a:t>ID</a:t>
-            </a:r>
-            <a:r>
-              <a:rPr lang="ja-JP" altLang="en-US" sz="1400"/>
-              <a:t>・パスワード（など）</a:t>
-            </a:r>
-            <a:endParaRPr lang="en-US" altLang="ja-JP" sz="1400" dirty="0"/>
-          </a:p>
-          <a:p>
-            <a:r>
-              <a:rPr lang="ja-JP" altLang="en-US" sz="1400"/>
-              <a:t>でログインし、</a:t>
-            </a:r>
-            <a:r>
-              <a:rPr lang="en-US" altLang="ja-JP" sz="1400" dirty="0"/>
-              <a:t>ID</a:t>
-            </a:r>
-            <a:r>
-              <a:rPr lang="ja-JP" altLang="en-US" sz="1400"/>
-              <a:t>トークンなどを取得</a:t>
-            </a:r>
-            <a:endParaRPr lang="en-US" altLang="ja-JP" sz="1400" dirty="0"/>
           </a:p>
         </p:txBody>
       </p:sp>
@@ -5725,10 +5438,10 @@
             <p:nvPr/>
           </p:nvPicPr>
           <p:blipFill>
-            <a:blip r:embed="rId8">
+            <a:blip r:embed="rId6">
               <a:extLst>
                 <a:ext uri="{96DAC541-7B7A-43D3-8B79-37D633B846F1}">
-                  <asvg:svgBlip xmlns:asvg="http://schemas.microsoft.com/office/drawing/2016/SVG/main" r:embed="rId9"/>
+                  <asvg:svgBlip xmlns:asvg="http://schemas.microsoft.com/office/drawing/2016/SVG/main" r:embed="rId7"/>
                 </a:ext>
               </a:extLst>
             </a:blip>
@@ -5885,10 +5598,10 @@
             <p:nvPr/>
           </p:nvPicPr>
           <p:blipFill>
-            <a:blip r:embed="rId8">
+            <a:blip r:embed="rId6">
               <a:extLst>
                 <a:ext uri="{96DAC541-7B7A-43D3-8B79-37D633B846F1}">
-                  <asvg:svgBlip xmlns:asvg="http://schemas.microsoft.com/office/drawing/2016/SVG/main" r:embed="rId9"/>
+                  <asvg:svgBlip xmlns:asvg="http://schemas.microsoft.com/office/drawing/2016/SVG/main" r:embed="rId7"/>
                 </a:ext>
               </a:extLst>
             </a:blip>
@@ -6223,6 +5936,78 @@
                 </a:solidFill>
               </a:rPr>
               <a:t>4</a:t>
+            </a:r>
+          </a:p>
+        </p:txBody>
+      </p:sp>
+      <p:pic>
+        <p:nvPicPr>
+          <p:cNvPr id="48" name="Graphic 47">
+            <a:extLst>
+              <a:ext uri="{FF2B5EF4-FFF2-40B4-BE49-F238E27FC236}">
+                <a16:creationId xmlns:a16="http://schemas.microsoft.com/office/drawing/2014/main" id="{9177786E-F59C-9442-92DE-74CB6127DFD1}"/>
+              </a:ext>
+            </a:extLst>
+          </p:cNvPr>
+          <p:cNvPicPr>
+            <a:picLocks noChangeAspect="1"/>
+          </p:cNvPicPr>
+          <p:nvPr/>
+        </p:nvPicPr>
+        <p:blipFill>
+          <a:blip r:embed="rId8">
+            <a:extLst>
+              <a:ext uri="{96DAC541-7B7A-43D3-8B79-37D633B846F1}">
+                <asvg:svgBlip xmlns:asvg="http://schemas.microsoft.com/office/drawing/2016/SVG/main" r:embed="rId9"/>
+              </a:ext>
+            </a:extLst>
+          </a:blip>
+          <a:stretch>
+            <a:fillRect/>
+          </a:stretch>
+        </p:blipFill>
+        <p:spPr>
+          <a:xfrm>
+            <a:off x="9708636" y="5005391"/>
+            <a:ext cx="938726" cy="938726"/>
+          </a:xfrm>
+          <a:prstGeom prst="rect">
+            <a:avLst/>
+          </a:prstGeom>
+        </p:spPr>
+      </p:pic>
+      <p:sp>
+        <p:nvSpPr>
+          <p:cNvPr id="49" name="TextBox 48">
+            <a:extLst>
+              <a:ext uri="{FF2B5EF4-FFF2-40B4-BE49-F238E27FC236}">
+                <a16:creationId xmlns:a16="http://schemas.microsoft.com/office/drawing/2014/main" id="{18745A01-640D-9346-AB06-7A7348EB945C}"/>
+              </a:ext>
+            </a:extLst>
+          </p:cNvPr>
+          <p:cNvSpPr txBox="1"/>
+          <p:nvPr/>
+        </p:nvSpPr>
+        <p:spPr>
+          <a:xfrm>
+            <a:off x="8658835" y="5944602"/>
+            <a:ext cx="3038327" cy="369332"/>
+          </a:xfrm>
+          <a:prstGeom prst="rect">
+            <a:avLst/>
+          </a:prstGeom>
+          <a:noFill/>
+        </p:spPr>
+        <p:txBody>
+          <a:bodyPr wrap="square" rtlCol="0">
+            <a:spAutoFit/>
+          </a:bodyPr>
+          <a:lstStyle/>
+          <a:p>
+            <a:pPr algn="ctr"/>
+            <a:r>
+              <a:rPr lang="en-US" dirty="0"/>
+              <a:t>AmazonS3</a:t>
             </a:r>
           </a:p>
         </p:txBody>

--- a/images/figures.pptx
+++ b/images/figures.pptx
@@ -6267,50 +6267,6 @@
           </p:txBody>
         </p:sp>
       </p:grpSp>
-      <p:sp>
-        <p:nvSpPr>
-          <p:cNvPr id="47" name="TextBox 46">
-            <a:extLst>
-              <a:ext uri="{FF2B5EF4-FFF2-40B4-BE49-F238E27FC236}">
-                <a16:creationId xmlns:a16="http://schemas.microsoft.com/office/drawing/2014/main" id="{3B7F51B0-DB9B-8C49-8E5B-20D7622AB3EE}"/>
-              </a:ext>
-            </a:extLst>
-          </p:cNvPr>
-          <p:cNvSpPr txBox="1"/>
-          <p:nvPr/>
-        </p:nvSpPr>
-        <p:spPr>
-          <a:xfrm>
-            <a:off x="1663046" y="2487875"/>
-            <a:ext cx="3779546" cy="307777"/>
-          </a:xfrm>
-          <a:prstGeom prst="rect">
-            <a:avLst/>
-          </a:prstGeom>
-          <a:noFill/>
-        </p:spPr>
-        <p:txBody>
-          <a:bodyPr wrap="square" rtlCol="0">
-            <a:spAutoFit/>
-          </a:bodyPr>
-          <a:lstStyle/>
-          <a:p>
-            <a:r>
-              <a:rPr lang="ja-JP" altLang="en-US" sz="1400"/>
-              <a:t>ユーザー</a:t>
-            </a:r>
-            <a:r>
-              <a:rPr lang="en-US" altLang="ja-JP" sz="1400" dirty="0"/>
-              <a:t>ID</a:t>
-            </a:r>
-            <a:r>
-              <a:rPr lang="ja-JP" altLang="en-US" sz="1400"/>
-              <a:t>・パスワード（など）でログイン</a:t>
-            </a:r>
-            <a:endParaRPr lang="en-US" altLang="ja-JP" sz="1400" dirty="0"/>
-          </a:p>
-        </p:txBody>
-      </p:sp>
       <p:grpSp>
         <p:nvGrpSpPr>
           <p:cNvPr id="36" name="Group 35">
@@ -6513,8 +6469,8 @@
         </p:nvCxnSpPr>
         <p:spPr>
           <a:xfrm>
-            <a:off x="8119422" y="3290239"/>
-            <a:ext cx="2166886" cy="0"/>
+            <a:off x="6610766" y="3189347"/>
+            <a:ext cx="3667870" cy="0"/>
           </a:xfrm>
           <a:prstGeom prst="straightConnector1">
             <a:avLst/>
@@ -6545,57 +6501,6 @@
       </p:cxnSp>
       <p:sp>
         <p:nvSpPr>
-          <p:cNvPr id="51" name="TextBox 50">
-            <a:extLst>
-              <a:ext uri="{FF2B5EF4-FFF2-40B4-BE49-F238E27FC236}">
-                <a16:creationId xmlns:a16="http://schemas.microsoft.com/office/drawing/2014/main" id="{E366F58B-9551-9046-B6B5-180A5AA5C82A}"/>
-              </a:ext>
-            </a:extLst>
-          </p:cNvPr>
-          <p:cNvSpPr txBox="1"/>
-          <p:nvPr/>
-        </p:nvSpPr>
-        <p:spPr>
-          <a:xfrm>
-            <a:off x="6610766" y="2207874"/>
-            <a:ext cx="5168857" cy="523220"/>
-          </a:xfrm>
-          <a:prstGeom prst="rect">
-            <a:avLst/>
-          </a:prstGeom>
-          <a:noFill/>
-        </p:spPr>
-        <p:txBody>
-          <a:bodyPr wrap="square" rtlCol="0">
-            <a:spAutoFit/>
-          </a:bodyPr>
-          <a:lstStyle/>
-          <a:p>
-            <a:r>
-              <a:rPr lang="en-US" altLang="ja-JP" sz="1400" dirty="0" err="1"/>
-              <a:t>UserPool</a:t>
-            </a:r>
-            <a:r>
-              <a:rPr lang="ja-JP" altLang="en-US" sz="1400"/>
-              <a:t>にユーザーが存在しない場合、</a:t>
-            </a:r>
-            <a:endParaRPr lang="en-US" altLang="ja-JP" sz="1400" dirty="0"/>
-          </a:p>
-          <a:p>
-            <a:r>
-              <a:rPr lang="en-US" altLang="ja-JP" sz="1400" dirty="0"/>
-              <a:t>AWS Lambda</a:t>
-            </a:r>
-            <a:r>
-              <a:rPr lang="ja-JP" altLang="en-US" sz="1400"/>
-              <a:t>がユーザーに代わって既存の認証基盤にログイン</a:t>
-            </a:r>
-            <a:endParaRPr lang="en-US" altLang="ja-JP" sz="1400" dirty="0"/>
-          </a:p>
-        </p:txBody>
-      </p:sp>
-      <p:sp>
-        <p:nvSpPr>
           <p:cNvPr id="52" name="TextBox 51">
             <a:extLst>
               <a:ext uri="{FF2B5EF4-FFF2-40B4-BE49-F238E27FC236}">
@@ -6630,48 +6535,12 @@
           </a:p>
         </p:txBody>
       </p:sp>
-      <p:pic>
-        <p:nvPicPr>
-          <p:cNvPr id="58" name="Graphic 57">
-            <a:extLst>
-              <a:ext uri="{FF2B5EF4-FFF2-40B4-BE49-F238E27FC236}">
-                <a16:creationId xmlns:a16="http://schemas.microsoft.com/office/drawing/2014/main" id="{3A7E61B1-E8DB-0F48-8859-07BC8832DCED}"/>
-              </a:ext>
-            </a:extLst>
-          </p:cNvPr>
-          <p:cNvPicPr>
-            <a:picLocks noChangeAspect="1"/>
-          </p:cNvPicPr>
-          <p:nvPr/>
-        </p:nvPicPr>
-        <p:blipFill>
-          <a:blip r:embed="rId8">
-            <a:extLst>
-              <a:ext uri="{96DAC541-7B7A-43D3-8B79-37D633B846F1}">
-                <asvg:svgBlip xmlns:asvg="http://schemas.microsoft.com/office/drawing/2016/SVG/main" r:embed="rId9"/>
-              </a:ext>
-            </a:extLst>
-          </a:blip>
-          <a:stretch>
-            <a:fillRect/>
-          </a:stretch>
-        </p:blipFill>
-        <p:spPr>
-          <a:xfrm>
-            <a:off x="7271101" y="3064755"/>
-            <a:ext cx="711200" cy="711200"/>
-          </a:xfrm>
-          <a:prstGeom prst="rect">
-            <a:avLst/>
-          </a:prstGeom>
-        </p:spPr>
-      </p:pic>
       <p:cxnSp>
         <p:nvCxnSpPr>
-          <p:cNvPr id="59" name="Straight Arrow Connector 58">
-            <a:extLst>
-              <a:ext uri="{FF2B5EF4-FFF2-40B4-BE49-F238E27FC236}">
-                <a16:creationId xmlns:a16="http://schemas.microsoft.com/office/drawing/2014/main" id="{4CCAF08F-AF33-8E4A-AEC0-A4E4AC41A4F6}"/>
+          <p:cNvPr id="60" name="Straight Arrow Connector 59">
+            <a:extLst>
+              <a:ext uri="{FF2B5EF4-FFF2-40B4-BE49-F238E27FC236}">
+                <a16:creationId xmlns:a16="http://schemas.microsoft.com/office/drawing/2014/main" id="{77812F1C-69C4-D149-A62E-366EB016ACC1}"/>
               </a:ext>
             </a:extLst>
           </p:cNvPr>
@@ -6681,137 +6550,9 @@
           <p:nvPr/>
         </p:nvCxnSpPr>
         <p:spPr>
-          <a:xfrm>
-            <a:off x="6610767" y="3232650"/>
-            <a:ext cx="507209" cy="0"/>
-          </a:xfrm>
-          <a:prstGeom prst="straightConnector1">
-            <a:avLst/>
-          </a:prstGeom>
-          <a:ln w="25400">
-            <a:solidFill>
-              <a:schemeClr val="tx2"/>
-            </a:solidFill>
-            <a:prstDash val="dash"/>
-            <a:headEnd type="none" w="med" len="sm"/>
-            <a:tailEnd type="triangle"/>
-          </a:ln>
-        </p:spPr>
-        <p:style>
-          <a:lnRef idx="1">
-            <a:schemeClr val="accent1"/>
-          </a:lnRef>
-          <a:fillRef idx="0">
-            <a:schemeClr val="accent1"/>
-          </a:fillRef>
-          <a:effectRef idx="0">
-            <a:schemeClr val="accent1"/>
-          </a:effectRef>
-          <a:fontRef idx="minor">
-            <a:schemeClr val="tx1"/>
-          </a:fontRef>
-        </p:style>
-      </p:cxnSp>
-      <p:cxnSp>
-        <p:nvCxnSpPr>
-          <p:cNvPr id="60" name="Straight Arrow Connector 59">
-            <a:extLst>
-              <a:ext uri="{FF2B5EF4-FFF2-40B4-BE49-F238E27FC236}">
-                <a16:creationId xmlns:a16="http://schemas.microsoft.com/office/drawing/2014/main" id="{77812F1C-69C4-D149-A62E-366EB016ACC1}"/>
-              </a:ext>
-            </a:extLst>
-          </p:cNvPr>
-          <p:cNvCxnSpPr>
-            <a:cxnSpLocks/>
-          </p:cNvCxnSpPr>
-          <p:nvPr/>
-        </p:nvCxnSpPr>
-        <p:spPr>
-          <a:xfrm rot="10800000">
-            <a:off x="8092454" y="3515838"/>
-            <a:ext cx="2166886" cy="0"/>
-          </a:xfrm>
-          <a:prstGeom prst="straightConnector1">
-            <a:avLst/>
-          </a:prstGeom>
-          <a:ln w="25400">
-            <a:solidFill>
-              <a:schemeClr val="tx2"/>
-            </a:solidFill>
-            <a:prstDash val="dash"/>
-            <a:headEnd type="none" w="med" len="sm"/>
-            <a:tailEnd type="triangle"/>
-          </a:ln>
-        </p:spPr>
-        <p:style>
-          <a:lnRef idx="1">
-            <a:schemeClr val="accent1"/>
-          </a:lnRef>
-          <a:fillRef idx="0">
-            <a:schemeClr val="accent1"/>
-          </a:fillRef>
-          <a:effectRef idx="0">
-            <a:schemeClr val="accent1"/>
-          </a:effectRef>
-          <a:fontRef idx="minor">
-            <a:schemeClr val="tx1"/>
-          </a:fontRef>
-        </p:style>
-      </p:cxnSp>
-      <p:sp>
-        <p:nvSpPr>
-          <p:cNvPr id="61" name="TextBox 60">
-            <a:extLst>
-              <a:ext uri="{FF2B5EF4-FFF2-40B4-BE49-F238E27FC236}">
-                <a16:creationId xmlns:a16="http://schemas.microsoft.com/office/drawing/2014/main" id="{56995E63-9132-1F4D-9B2F-CD4AA60744D2}"/>
-              </a:ext>
-            </a:extLst>
-          </p:cNvPr>
-          <p:cNvSpPr txBox="1"/>
-          <p:nvPr/>
-        </p:nvSpPr>
-        <p:spPr>
-          <a:xfrm>
-            <a:off x="6610767" y="4418361"/>
-            <a:ext cx="3779546" cy="307777"/>
-          </a:xfrm>
-          <a:prstGeom prst="rect">
-            <a:avLst/>
-          </a:prstGeom>
-          <a:noFill/>
-        </p:spPr>
-        <p:txBody>
-          <a:bodyPr wrap="square" rtlCol="0">
-            <a:spAutoFit/>
-          </a:bodyPr>
-          <a:lstStyle/>
-          <a:p>
-            <a:r>
-              <a:rPr lang="ja-JP" altLang="en-US" sz="1400"/>
-              <a:t>既存の認証基盤はユーザー情報を返却</a:t>
-            </a:r>
-            <a:endParaRPr lang="en-US" altLang="ja-JP" sz="1400" dirty="0"/>
-          </a:p>
-        </p:txBody>
-      </p:sp>
-      <p:cxnSp>
-        <p:nvCxnSpPr>
-          <p:cNvPr id="62" name="Straight Arrow Connector 61">
-            <a:extLst>
-              <a:ext uri="{FF2B5EF4-FFF2-40B4-BE49-F238E27FC236}">
-                <a16:creationId xmlns:a16="http://schemas.microsoft.com/office/drawing/2014/main" id="{7ADB81CD-5FFD-4742-B4A4-F1AB34DCFBC6}"/>
-              </a:ext>
-            </a:extLst>
-          </p:cNvPr>
-          <p:cNvCxnSpPr>
-            <a:cxnSpLocks/>
-          </p:cNvCxnSpPr>
-          <p:nvPr/>
-        </p:nvCxnSpPr>
-        <p:spPr>
-          <a:xfrm rot="10800000">
-            <a:off x="6610767" y="3504302"/>
-            <a:ext cx="507209" cy="0"/>
+          <a:xfrm flipH="1">
+            <a:off x="6620348" y="3636417"/>
+            <a:ext cx="3658288" cy="0"/>
           </a:xfrm>
           <a:prstGeom prst="straightConnector1">
             <a:avLst/>
@@ -6888,51 +6629,284 @@
       </p:cxnSp>
       <p:sp>
         <p:nvSpPr>
-          <p:cNvPr id="65" name="TextBox 64">
-            <a:extLst>
-              <a:ext uri="{FF2B5EF4-FFF2-40B4-BE49-F238E27FC236}">
-                <a16:creationId xmlns:a16="http://schemas.microsoft.com/office/drawing/2014/main" id="{F944A695-2108-5F47-BAE5-1176CF68833C}"/>
-              </a:ext>
-            </a:extLst>
-          </p:cNvPr>
-          <p:cNvSpPr txBox="1"/>
+          <p:cNvPr id="23" name="Oval 22">
+            <a:extLst>
+              <a:ext uri="{FF2B5EF4-FFF2-40B4-BE49-F238E27FC236}">
+                <a16:creationId xmlns:a16="http://schemas.microsoft.com/office/drawing/2014/main" id="{A514C402-5889-E44D-B57A-90A34B479F88}"/>
+              </a:ext>
+            </a:extLst>
+          </p:cNvPr>
+          <p:cNvSpPr/>
           <p:nvPr/>
         </p:nvSpPr>
         <p:spPr>
           <a:xfrm>
-            <a:off x="1695411" y="4398616"/>
-            <a:ext cx="3779546" cy="523220"/>
+            <a:off x="3237589" y="2866374"/>
+            <a:ext cx="362679" cy="362679"/>
+          </a:xfrm>
+          <a:prstGeom prst="ellipse">
+            <a:avLst/>
+          </a:prstGeom>
+          <a:solidFill>
+            <a:schemeClr val="bg1"/>
+          </a:solidFill>
+          <a:ln w="25400">
+            <a:solidFill>
+              <a:schemeClr val="tx2"/>
+            </a:solidFill>
+          </a:ln>
+        </p:spPr>
+        <p:style>
+          <a:lnRef idx="2">
+            <a:schemeClr val="accent1">
+              <a:shade val="50000"/>
+            </a:schemeClr>
+          </a:lnRef>
+          <a:fillRef idx="1">
+            <a:schemeClr val="accent1"/>
+          </a:fillRef>
+          <a:effectRef idx="0">
+            <a:schemeClr val="accent1"/>
+          </a:effectRef>
+          <a:fontRef idx="minor">
+            <a:schemeClr val="lt1"/>
+          </a:fontRef>
+        </p:style>
+        <p:txBody>
+          <a:bodyPr rtlCol="0" anchor="ctr"/>
+          <a:lstStyle/>
+          <a:p>
+            <a:pPr algn="ctr"/>
+            <a:r>
+              <a:rPr lang="en-US" dirty="0">
+                <a:solidFill>
+                  <a:schemeClr val="tx2"/>
+                </a:solidFill>
+              </a:rPr>
+              <a:t>1</a:t>
+            </a:r>
+          </a:p>
+        </p:txBody>
+      </p:sp>
+      <p:sp>
+        <p:nvSpPr>
+          <p:cNvPr id="24" name="Oval 23">
+            <a:extLst>
+              <a:ext uri="{FF2B5EF4-FFF2-40B4-BE49-F238E27FC236}">
+                <a16:creationId xmlns:a16="http://schemas.microsoft.com/office/drawing/2014/main" id="{29DC50DA-1912-054E-B68F-EA372E6DD31D}"/>
+              </a:ext>
+            </a:extLst>
+          </p:cNvPr>
+          <p:cNvSpPr/>
+          <p:nvPr/>
+        </p:nvSpPr>
+        <p:spPr>
+          <a:xfrm>
+            <a:off x="8957834" y="3008008"/>
+            <a:ext cx="362679" cy="362679"/>
+          </a:xfrm>
+          <a:prstGeom prst="ellipse">
+            <a:avLst/>
+          </a:prstGeom>
+          <a:solidFill>
+            <a:schemeClr val="bg1"/>
+          </a:solidFill>
+          <a:ln w="25400">
+            <a:solidFill>
+              <a:schemeClr val="tx2"/>
+            </a:solidFill>
+          </a:ln>
+        </p:spPr>
+        <p:style>
+          <a:lnRef idx="2">
+            <a:schemeClr val="accent1">
+              <a:shade val="50000"/>
+            </a:schemeClr>
+          </a:lnRef>
+          <a:fillRef idx="1">
+            <a:schemeClr val="accent1"/>
+          </a:fillRef>
+          <a:effectRef idx="0">
+            <a:schemeClr val="accent1"/>
+          </a:effectRef>
+          <a:fontRef idx="minor">
+            <a:schemeClr val="lt1"/>
+          </a:fontRef>
+        </p:style>
+        <p:txBody>
+          <a:bodyPr rtlCol="0" anchor="ctr"/>
+          <a:lstStyle/>
+          <a:p>
+            <a:pPr algn="ctr"/>
+            <a:r>
+              <a:rPr lang="en-US" dirty="0">
+                <a:solidFill>
+                  <a:schemeClr val="tx2"/>
+                </a:solidFill>
+              </a:rPr>
+              <a:t>2</a:t>
+            </a:r>
+          </a:p>
+        </p:txBody>
+      </p:sp>
+      <p:sp>
+        <p:nvSpPr>
+          <p:cNvPr id="25" name="Oval 24">
+            <a:extLst>
+              <a:ext uri="{FF2B5EF4-FFF2-40B4-BE49-F238E27FC236}">
+                <a16:creationId xmlns:a16="http://schemas.microsoft.com/office/drawing/2014/main" id="{1811631D-7101-8C43-A6E8-F2FA7F1BA84F}"/>
+              </a:ext>
+            </a:extLst>
+          </p:cNvPr>
+          <p:cNvSpPr/>
+          <p:nvPr/>
+        </p:nvSpPr>
+        <p:spPr>
+          <a:xfrm>
+            <a:off x="8957834" y="3455078"/>
+            <a:ext cx="362679" cy="362679"/>
+          </a:xfrm>
+          <a:prstGeom prst="ellipse">
+            <a:avLst/>
+          </a:prstGeom>
+          <a:solidFill>
+            <a:schemeClr val="bg1"/>
+          </a:solidFill>
+          <a:ln w="25400">
+            <a:solidFill>
+              <a:schemeClr val="tx2"/>
+            </a:solidFill>
+          </a:ln>
+        </p:spPr>
+        <p:style>
+          <a:lnRef idx="2">
+            <a:schemeClr val="accent1">
+              <a:shade val="50000"/>
+            </a:schemeClr>
+          </a:lnRef>
+          <a:fillRef idx="1">
+            <a:schemeClr val="accent1"/>
+          </a:fillRef>
+          <a:effectRef idx="0">
+            <a:schemeClr val="accent1"/>
+          </a:effectRef>
+          <a:fontRef idx="minor">
+            <a:schemeClr val="lt1"/>
+          </a:fontRef>
+        </p:style>
+        <p:txBody>
+          <a:bodyPr rtlCol="0" anchor="ctr"/>
+          <a:lstStyle/>
+          <a:p>
+            <a:pPr algn="ctr"/>
+            <a:r>
+              <a:rPr lang="en-US" dirty="0">
+                <a:solidFill>
+                  <a:schemeClr val="tx2"/>
+                </a:solidFill>
+              </a:rPr>
+              <a:t>3</a:t>
+            </a:r>
+          </a:p>
+        </p:txBody>
+      </p:sp>
+      <p:sp>
+        <p:nvSpPr>
+          <p:cNvPr id="26" name="Oval 25">
+            <a:extLst>
+              <a:ext uri="{FF2B5EF4-FFF2-40B4-BE49-F238E27FC236}">
+                <a16:creationId xmlns:a16="http://schemas.microsoft.com/office/drawing/2014/main" id="{CF9E1F91-8133-1A4A-BA12-76E62FAFEE99}"/>
+              </a:ext>
+            </a:extLst>
+          </p:cNvPr>
+          <p:cNvSpPr/>
+          <p:nvPr/>
+        </p:nvSpPr>
+        <p:spPr>
+          <a:xfrm>
+            <a:off x="3235620" y="3370687"/>
+            <a:ext cx="362679" cy="362679"/>
+          </a:xfrm>
+          <a:prstGeom prst="ellipse">
+            <a:avLst/>
+          </a:prstGeom>
+          <a:solidFill>
+            <a:schemeClr val="bg1"/>
+          </a:solidFill>
+          <a:ln w="25400">
+            <a:solidFill>
+              <a:schemeClr val="tx2"/>
+            </a:solidFill>
+          </a:ln>
+        </p:spPr>
+        <p:style>
+          <a:lnRef idx="2">
+            <a:schemeClr val="accent1">
+              <a:shade val="50000"/>
+            </a:schemeClr>
+          </a:lnRef>
+          <a:fillRef idx="1">
+            <a:schemeClr val="accent1"/>
+          </a:fillRef>
+          <a:effectRef idx="0">
+            <a:schemeClr val="accent1"/>
+          </a:effectRef>
+          <a:fontRef idx="minor">
+            <a:schemeClr val="lt1"/>
+          </a:fontRef>
+        </p:style>
+        <p:txBody>
+          <a:bodyPr rtlCol="0" anchor="ctr"/>
+          <a:lstStyle/>
+          <a:p>
+            <a:pPr algn="ctr"/>
+            <a:r>
+              <a:rPr lang="en-US" dirty="0">
+                <a:solidFill>
+                  <a:schemeClr val="tx2"/>
+                </a:solidFill>
+              </a:rPr>
+              <a:t>4</a:t>
+            </a:r>
+          </a:p>
+        </p:txBody>
+      </p:sp>
+      <p:pic>
+        <p:nvPicPr>
+          <p:cNvPr id="58" name="Graphic 57">
+            <a:extLst>
+              <a:ext uri="{FF2B5EF4-FFF2-40B4-BE49-F238E27FC236}">
+                <a16:creationId xmlns:a16="http://schemas.microsoft.com/office/drawing/2014/main" id="{3A7E61B1-E8DB-0F48-8859-07BC8832DCED}"/>
+              </a:ext>
+            </a:extLst>
+          </p:cNvPr>
+          <p:cNvPicPr>
+            <a:picLocks noChangeAspect="1"/>
+          </p:cNvPicPr>
+          <p:nvPr/>
+        </p:nvPicPr>
+        <p:blipFill>
+          <a:blip r:embed="rId8">
+            <a:extLst>
+              <a:ext uri="{96DAC541-7B7A-43D3-8B79-37D633B846F1}">
+                <asvg:svgBlip xmlns:asvg="http://schemas.microsoft.com/office/drawing/2016/SVG/main" r:embed="rId9"/>
+              </a:ext>
+            </a:extLst>
+          </a:blip>
+          <a:stretch>
+            <a:fillRect/>
+          </a:stretch>
+        </p:blipFill>
+        <p:spPr>
+          <a:xfrm>
+            <a:off x="7271101" y="3064755"/>
+            <a:ext cx="711200" cy="711200"/>
           </a:xfrm>
           <a:prstGeom prst="rect">
             <a:avLst/>
           </a:prstGeom>
-          <a:noFill/>
         </p:spPr>
-        <p:txBody>
-          <a:bodyPr wrap="square" rtlCol="0">
-            <a:spAutoFit/>
-          </a:bodyPr>
-          <a:lstStyle/>
-          <a:p>
-            <a:r>
-              <a:rPr lang="en-US" altLang="ja-JP" sz="1400" dirty="0" err="1"/>
-              <a:t>UserPool</a:t>
-            </a:r>
-            <a:r>
-              <a:rPr lang="ja-JP" altLang="en-US" sz="1400"/>
-              <a:t>はユーザー情報を登録したのち、</a:t>
-            </a:r>
-            <a:endParaRPr lang="en-US" altLang="ja-JP" sz="1400" dirty="0"/>
-          </a:p>
-          <a:p>
-            <a:r>
-              <a:rPr lang="ja-JP" altLang="en-US" sz="1400"/>
-              <a:t>ログイン成功の情報をクライアントに返却</a:t>
-            </a:r>
-            <a:endParaRPr lang="en-US" altLang="ja-JP" sz="1400" dirty="0"/>
-          </a:p>
-        </p:txBody>
-      </p:sp>
+      </p:pic>
     </p:spTree>
     <p:extLst>
       <p:ext uri="{BB962C8B-B14F-4D97-AF65-F5344CB8AC3E}">
